--- a/презентация.pptx
+++ b/презентация.pptx
@@ -6,6 +6,13 @@
   </p:sldMasterIdLst>
   <p:sldIdLst>
     <p:sldId id="256" r:id="rId3"/>
+    <p:sldId id="257" r:id="rId4"/>
+    <p:sldId id="258" r:id="rId5"/>
+    <p:sldId id="259" r:id="rId6"/>
+    <p:sldId id="260" r:id="rId7"/>
+    <p:sldId id="261" r:id="rId8"/>
+    <p:sldId id="262" r:id="rId9"/>
+    <p:sldId id="263" r:id="rId10"/>
   </p:sldIdLst>
   <p:sldSz cx="10080625" cy="5670550"/>
   <p:notesSz cx="7559675" cy="10691813"/>
@@ -36,7 +43,7 @@
             <a:spLocks noGrp="1"/>
           </p:cNvSpPr>
           <p:nvPr>
-            <p:ph type="ftr" idx="2"/>
+            <p:ph type="ftr" idx="1"/>
           </p:nvPr>
         </p:nvSpPr>
         <p:spPr/>
@@ -56,14 +63,14 @@
             <a:spLocks noGrp="1"/>
           </p:cNvSpPr>
           <p:nvPr>
-            <p:ph type="sldNum" idx="3"/>
+            <p:ph type="sldNum" idx="2"/>
           </p:nvPr>
         </p:nvSpPr>
         <p:spPr/>
         <p:txBody>
           <a:bodyPr/>
           <a:p>
-            <a:fld id="{830A03F1-5038-4E3A-A8C8-70E8A02AF4A5}" type="slidenum">
+            <a:fld id="{A17D52A4-1A26-45A6-BE4E-91184F7FD4D3}" type="slidenum">
               <a:t>&lt;#&gt;</a:t>
             </a:fld>
           </a:p>
@@ -76,7 +83,7 @@
             <a:spLocks noGrp="1"/>
           </p:cNvSpPr>
           <p:nvPr>
-            <p:ph type="dt" idx="1"/>
+            <p:ph type="dt" idx="3"/>
           </p:nvPr>
         </p:nvSpPr>
         <p:spPr/>
@@ -125,7 +132,7 @@
         <p:spPr>
           <a:xfrm>
             <a:off x="504000" y="74160"/>
-            <a:ext cx="9071640" cy="1250280"/>
+            <a:ext cx="9071280" cy="1250280"/>
           </a:xfrm>
           <a:prstGeom prst="rect">
             <a:avLst/>
@@ -165,7 +172,7 @@
         <p:spPr>
           <a:xfrm>
             <a:off x="504000" y="1326600"/>
-            <a:ext cx="9071640" cy="1568160"/>
+            <a:ext cx="9072000" cy="1568520"/>
           </a:xfrm>
           <a:prstGeom prst="rect">
             <a:avLst/>
@@ -207,8 +214,8 @@
         </p:nvSpPr>
         <p:spPr>
           <a:xfrm>
-            <a:off x="504000" y="3044160"/>
-            <a:ext cx="9071640" cy="1568160"/>
+            <a:off x="504000" y="3044520"/>
+            <a:ext cx="9072000" cy="1568520"/>
           </a:xfrm>
           <a:prstGeom prst="rect">
             <a:avLst/>
@@ -245,7 +252,7 @@
             <a:spLocks noGrp="1"/>
           </p:cNvSpPr>
           <p:nvPr>
-            <p:ph type="ftr" idx="2"/>
+            <p:ph type="ftr" idx="1"/>
           </p:nvPr>
         </p:nvSpPr>
         <p:spPr/>
@@ -265,14 +272,14 @@
             <a:spLocks noGrp="1"/>
           </p:cNvSpPr>
           <p:nvPr>
-            <p:ph type="sldNum" idx="3"/>
+            <p:ph type="sldNum" idx="2"/>
           </p:nvPr>
         </p:nvSpPr>
         <p:spPr/>
         <p:txBody>
           <a:bodyPr/>
           <a:p>
-            <a:fld id="{AA47F3B2-4BBC-4C54-B526-CCEA52D65C5F}" type="slidenum">
+            <a:fld id="{FD29AF48-7044-4DE7-9550-A9267EAD3704}" type="slidenum">
               <a:t>&lt;#&gt;</a:t>
             </a:fld>
           </a:p>
@@ -285,7 +292,7 @@
             <a:spLocks noGrp="1"/>
           </p:cNvSpPr>
           <p:nvPr>
-            <p:ph type="dt" idx="1"/>
+            <p:ph type="dt" idx="3"/>
           </p:nvPr>
         </p:nvSpPr>
         <p:spPr/>
@@ -334,7 +341,7 @@
         <p:spPr>
           <a:xfrm>
             <a:off x="504000" y="74160"/>
-            <a:ext cx="9071640" cy="1250280"/>
+            <a:ext cx="9071280" cy="1250280"/>
           </a:xfrm>
           <a:prstGeom prst="rect">
             <a:avLst/>
@@ -374,7 +381,7 @@
         <p:spPr>
           <a:xfrm>
             <a:off x="504000" y="1326600"/>
-            <a:ext cx="4426920" cy="1568160"/>
+            <a:ext cx="4426920" cy="1568520"/>
           </a:xfrm>
           <a:prstGeom prst="rect">
             <a:avLst/>
@@ -417,7 +424,7 @@
         <p:spPr>
           <a:xfrm>
             <a:off x="5152680" y="1326600"/>
-            <a:ext cx="4426920" cy="1568160"/>
+            <a:ext cx="4426920" cy="1568520"/>
           </a:xfrm>
           <a:prstGeom prst="rect">
             <a:avLst/>
@@ -459,8 +466,8 @@
         </p:nvSpPr>
         <p:spPr>
           <a:xfrm>
-            <a:off x="504000" y="3044160"/>
-            <a:ext cx="4426920" cy="1568160"/>
+            <a:off x="504000" y="3044520"/>
+            <a:ext cx="4426920" cy="1568520"/>
           </a:xfrm>
           <a:prstGeom prst="rect">
             <a:avLst/>
@@ -502,8 +509,8 @@
         </p:nvSpPr>
         <p:spPr>
           <a:xfrm>
-            <a:off x="5152680" y="3044160"/>
-            <a:ext cx="4426920" cy="1568160"/>
+            <a:off x="5152680" y="3044520"/>
+            <a:ext cx="4426920" cy="1568520"/>
           </a:xfrm>
           <a:prstGeom prst="rect">
             <a:avLst/>
@@ -540,7 +547,7 @@
             <a:spLocks noGrp="1"/>
           </p:cNvSpPr>
           <p:nvPr>
-            <p:ph type="ftr" idx="2"/>
+            <p:ph type="ftr" idx="1"/>
           </p:nvPr>
         </p:nvSpPr>
         <p:spPr/>
@@ -560,14 +567,14 @@
             <a:spLocks noGrp="1"/>
           </p:cNvSpPr>
           <p:nvPr>
-            <p:ph type="sldNum" idx="3"/>
+            <p:ph type="sldNum" idx="2"/>
           </p:nvPr>
         </p:nvSpPr>
         <p:spPr/>
         <p:txBody>
           <a:bodyPr/>
           <a:p>
-            <a:fld id="{B4EF34B3-C182-4C13-B186-B8919A4606EB}" type="slidenum">
+            <a:fld id="{BAE3944F-B886-4F1B-9617-F4AC841F1C1B}" type="slidenum">
               <a:t>&lt;#&gt;</a:t>
             </a:fld>
           </a:p>
@@ -580,7 +587,7 @@
             <a:spLocks noGrp="1"/>
           </p:cNvSpPr>
           <p:nvPr>
-            <p:ph type="dt" idx="1"/>
+            <p:ph type="dt" idx="3"/>
           </p:nvPr>
         </p:nvSpPr>
         <p:spPr/>
@@ -629,7 +636,7 @@
         <p:spPr>
           <a:xfrm>
             <a:off x="504000" y="74160"/>
-            <a:ext cx="9071640" cy="1250280"/>
+            <a:ext cx="9071280" cy="1250280"/>
           </a:xfrm>
           <a:prstGeom prst="rect">
             <a:avLst/>
@@ -669,7 +676,7 @@
         <p:spPr>
           <a:xfrm>
             <a:off x="504000" y="1326600"/>
-            <a:ext cx="2920680" cy="1568160"/>
+            <a:ext cx="2921040" cy="1568520"/>
           </a:xfrm>
           <a:prstGeom prst="rect">
             <a:avLst/>
@@ -711,8 +718,8 @@
         </p:nvSpPr>
         <p:spPr>
           <a:xfrm>
-            <a:off x="3571200" y="1326600"/>
-            <a:ext cx="2920680" cy="1568160"/>
+            <a:off x="3571560" y="1326600"/>
+            <a:ext cx="2921040" cy="1568520"/>
           </a:xfrm>
           <a:prstGeom prst="rect">
             <a:avLst/>
@@ -754,8 +761,8 @@
         </p:nvSpPr>
         <p:spPr>
           <a:xfrm>
-            <a:off x="6638040" y="1326600"/>
-            <a:ext cx="2920680" cy="1568160"/>
+            <a:off x="6639120" y="1326600"/>
+            <a:ext cx="2921040" cy="1568520"/>
           </a:xfrm>
           <a:prstGeom prst="rect">
             <a:avLst/>
@@ -797,8 +804,8 @@
         </p:nvSpPr>
         <p:spPr>
           <a:xfrm>
-            <a:off x="504000" y="3044160"/>
-            <a:ext cx="2920680" cy="1568160"/>
+            <a:off x="504000" y="3044520"/>
+            <a:ext cx="2921040" cy="1568520"/>
           </a:xfrm>
           <a:prstGeom prst="rect">
             <a:avLst/>
@@ -840,8 +847,8 @@
         </p:nvSpPr>
         <p:spPr>
           <a:xfrm>
-            <a:off x="3571200" y="3044160"/>
-            <a:ext cx="2920680" cy="1568160"/>
+            <a:off x="3571560" y="3044520"/>
+            <a:ext cx="2921040" cy="1568520"/>
           </a:xfrm>
           <a:prstGeom prst="rect">
             <a:avLst/>
@@ -883,8 +890,8 @@
         </p:nvSpPr>
         <p:spPr>
           <a:xfrm>
-            <a:off x="6638040" y="3044160"/>
-            <a:ext cx="2920680" cy="1568160"/>
+            <a:off x="6639120" y="3044520"/>
+            <a:ext cx="2921040" cy="1568520"/>
           </a:xfrm>
           <a:prstGeom prst="rect">
             <a:avLst/>
@@ -921,7 +928,7 @@
             <a:spLocks noGrp="1"/>
           </p:cNvSpPr>
           <p:nvPr>
-            <p:ph type="ftr" idx="2"/>
+            <p:ph type="ftr" idx="1"/>
           </p:nvPr>
         </p:nvSpPr>
         <p:spPr/>
@@ -941,14 +948,14 @@
             <a:spLocks noGrp="1"/>
           </p:cNvSpPr>
           <p:nvPr>
-            <p:ph type="sldNum" idx="3"/>
+            <p:ph type="sldNum" idx="2"/>
           </p:nvPr>
         </p:nvSpPr>
         <p:spPr/>
         <p:txBody>
           <a:bodyPr/>
           <a:p>
-            <a:fld id="{0E2BC8DF-9F76-43E5-9EC2-BB55C65EDD20}" type="slidenum">
+            <a:fld id="{8E333B0A-1303-45F7-90D7-1F5F501144D3}" type="slidenum">
               <a:t>&lt;#&gt;</a:t>
             </a:fld>
           </a:p>
@@ -961,7 +968,7 @@
             <a:spLocks noGrp="1"/>
           </p:cNvSpPr>
           <p:nvPr>
-            <p:ph type="dt" idx="1"/>
+            <p:ph type="dt" idx="3"/>
           </p:nvPr>
         </p:nvSpPr>
         <p:spPr/>
@@ -1010,7 +1017,7 @@
         <p:spPr>
           <a:xfrm>
             <a:off x="504000" y="74160"/>
-            <a:ext cx="9071640" cy="1250280"/>
+            <a:ext cx="9071280" cy="1250280"/>
           </a:xfrm>
           <a:prstGeom prst="rect">
             <a:avLst/>
@@ -1050,7 +1057,7 @@
         <p:spPr>
           <a:xfrm>
             <a:off x="504000" y="1326600"/>
-            <a:ext cx="9071640" cy="3288240"/>
+            <a:ext cx="9072000" cy="3288600"/>
           </a:xfrm>
           <a:prstGeom prst="rect">
             <a:avLst/>
@@ -1084,7 +1091,7 @@
             <a:spLocks noGrp="1"/>
           </p:cNvSpPr>
           <p:nvPr>
-            <p:ph type="ftr" idx="2"/>
+            <p:ph type="ftr" idx="1"/>
           </p:nvPr>
         </p:nvSpPr>
         <p:spPr/>
@@ -1104,14 +1111,14 @@
             <a:spLocks noGrp="1"/>
           </p:cNvSpPr>
           <p:nvPr>
-            <p:ph type="sldNum" idx="3"/>
+            <p:ph type="sldNum" idx="2"/>
           </p:nvPr>
         </p:nvSpPr>
         <p:spPr/>
         <p:txBody>
           <a:bodyPr/>
           <a:p>
-            <a:fld id="{F4C4469E-CF41-4FA6-A80E-1EC06105E3F7}" type="slidenum">
+            <a:fld id="{BBA75BFE-6656-4333-B8A8-EDC05370CA26}" type="slidenum">
               <a:t>&lt;#&gt;</a:t>
             </a:fld>
           </a:p>
@@ -1124,7 +1131,7 @@
             <a:spLocks noGrp="1"/>
           </p:cNvSpPr>
           <p:nvPr>
-            <p:ph type="dt" idx="1"/>
+            <p:ph type="dt" idx="3"/>
           </p:nvPr>
         </p:nvSpPr>
         <p:spPr/>
@@ -1173,7 +1180,7 @@
         <p:spPr>
           <a:xfrm>
             <a:off x="504000" y="74160"/>
-            <a:ext cx="9071640" cy="1250280"/>
+            <a:ext cx="9071280" cy="1250280"/>
           </a:xfrm>
           <a:prstGeom prst="rect">
             <a:avLst/>
@@ -1213,7 +1220,7 @@
         <p:spPr>
           <a:xfrm>
             <a:off x="504000" y="1326600"/>
-            <a:ext cx="9071640" cy="3288240"/>
+            <a:ext cx="9072000" cy="3288600"/>
           </a:xfrm>
           <a:prstGeom prst="rect">
             <a:avLst/>
@@ -1250,7 +1257,7 @@
             <a:spLocks noGrp="1"/>
           </p:cNvSpPr>
           <p:nvPr>
-            <p:ph type="ftr" idx="2"/>
+            <p:ph type="ftr" idx="1"/>
           </p:nvPr>
         </p:nvSpPr>
         <p:spPr/>
@@ -1270,14 +1277,14 @@
             <a:spLocks noGrp="1"/>
           </p:cNvSpPr>
           <p:nvPr>
-            <p:ph type="sldNum" idx="3"/>
+            <p:ph type="sldNum" idx="2"/>
           </p:nvPr>
         </p:nvSpPr>
         <p:spPr/>
         <p:txBody>
           <a:bodyPr/>
           <a:p>
-            <a:fld id="{1B26A7DB-4EA8-4F9C-89BC-77579096A2D5}" type="slidenum">
+            <a:fld id="{103BA1E2-B97F-46D2-8224-67F5BD7ED4F8}" type="slidenum">
               <a:t>&lt;#&gt;</a:t>
             </a:fld>
           </a:p>
@@ -1290,7 +1297,7 @@
             <a:spLocks noGrp="1"/>
           </p:cNvSpPr>
           <p:nvPr>
-            <p:ph type="dt" idx="1"/>
+            <p:ph type="dt" idx="3"/>
           </p:nvPr>
         </p:nvSpPr>
         <p:spPr/>
@@ -1339,7 +1346,7 @@
         <p:spPr>
           <a:xfrm>
             <a:off x="504000" y="74160"/>
-            <a:ext cx="9071640" cy="1250280"/>
+            <a:ext cx="9071280" cy="1250280"/>
           </a:xfrm>
           <a:prstGeom prst="rect">
             <a:avLst/>
@@ -1379,7 +1386,7 @@
         <p:spPr>
           <a:xfrm>
             <a:off x="504000" y="1326600"/>
-            <a:ext cx="4426920" cy="3288240"/>
+            <a:ext cx="4426920" cy="3288600"/>
           </a:xfrm>
           <a:prstGeom prst="rect">
             <a:avLst/>
@@ -1422,7 +1429,7 @@
         <p:spPr>
           <a:xfrm>
             <a:off x="5152680" y="1326600"/>
-            <a:ext cx="4426920" cy="3288240"/>
+            <a:ext cx="4426920" cy="3288600"/>
           </a:xfrm>
           <a:prstGeom prst="rect">
             <a:avLst/>
@@ -1459,7 +1466,7 @@
             <a:spLocks noGrp="1"/>
           </p:cNvSpPr>
           <p:nvPr>
-            <p:ph type="ftr" idx="2"/>
+            <p:ph type="ftr" idx="1"/>
           </p:nvPr>
         </p:nvSpPr>
         <p:spPr/>
@@ -1479,14 +1486,14 @@
             <a:spLocks noGrp="1"/>
           </p:cNvSpPr>
           <p:nvPr>
-            <p:ph type="sldNum" idx="3"/>
+            <p:ph type="sldNum" idx="2"/>
           </p:nvPr>
         </p:nvSpPr>
         <p:spPr/>
         <p:txBody>
           <a:bodyPr/>
           <a:p>
-            <a:fld id="{49B91ABC-2FDE-4231-9A55-0547C598AC62}" type="slidenum">
+            <a:fld id="{32B1835C-3B72-4784-BAB2-2308F061D02A}" type="slidenum">
               <a:t>&lt;#&gt;</a:t>
             </a:fld>
           </a:p>
@@ -1499,7 +1506,7 @@
             <a:spLocks noGrp="1"/>
           </p:cNvSpPr>
           <p:nvPr>
-            <p:ph type="dt" idx="1"/>
+            <p:ph type="dt" idx="3"/>
           </p:nvPr>
         </p:nvSpPr>
         <p:spPr/>
@@ -1548,7 +1555,7 @@
         <p:spPr>
           <a:xfrm>
             <a:off x="504000" y="74160"/>
-            <a:ext cx="9071640" cy="1250280"/>
+            <a:ext cx="9071280" cy="1250280"/>
           </a:xfrm>
           <a:prstGeom prst="rect">
             <a:avLst/>
@@ -1582,7 +1589,7 @@
             <a:spLocks noGrp="1"/>
           </p:cNvSpPr>
           <p:nvPr>
-            <p:ph type="ftr" idx="2"/>
+            <p:ph type="ftr" idx="1"/>
           </p:nvPr>
         </p:nvSpPr>
         <p:spPr/>
@@ -1602,14 +1609,14 @@
             <a:spLocks noGrp="1"/>
           </p:cNvSpPr>
           <p:nvPr>
-            <p:ph type="sldNum" idx="3"/>
+            <p:ph type="sldNum" idx="2"/>
           </p:nvPr>
         </p:nvSpPr>
         <p:spPr/>
         <p:txBody>
           <a:bodyPr/>
           <a:p>
-            <a:fld id="{5787F48A-692B-43FB-945C-AAA7D872D8C5}" type="slidenum">
+            <a:fld id="{4E4C4084-846F-4523-AF1F-BEFF1A994480}" type="slidenum">
               <a:t>&lt;#&gt;</a:t>
             </a:fld>
           </a:p>
@@ -1622,7 +1629,7 @@
             <a:spLocks noGrp="1"/>
           </p:cNvSpPr>
           <p:nvPr>
-            <p:ph type="dt" idx="1"/>
+            <p:ph type="dt" idx="3"/>
           </p:nvPr>
         </p:nvSpPr>
         <p:spPr/>
@@ -1670,8 +1677,8 @@
         </p:nvSpPr>
         <p:spPr>
           <a:xfrm>
-            <a:off x="504000" y="226080"/>
-            <a:ext cx="9071640" cy="4388400"/>
+            <a:off x="504000" y="74160"/>
+            <a:ext cx="9071280" cy="5795280"/>
           </a:xfrm>
           <a:prstGeom prst="rect">
             <a:avLst/>
@@ -1703,7 +1710,7 @@
             <a:spLocks noGrp="1"/>
           </p:cNvSpPr>
           <p:nvPr>
-            <p:ph type="ftr" idx="2"/>
+            <p:ph type="ftr" idx="1"/>
           </p:nvPr>
         </p:nvSpPr>
         <p:spPr/>
@@ -1723,14 +1730,14 @@
             <a:spLocks noGrp="1"/>
           </p:cNvSpPr>
           <p:nvPr>
-            <p:ph type="sldNum" idx="3"/>
+            <p:ph type="sldNum" idx="2"/>
           </p:nvPr>
         </p:nvSpPr>
         <p:spPr/>
         <p:txBody>
           <a:bodyPr/>
           <a:p>
-            <a:fld id="{C2D4325F-8305-4348-93D0-F9543A631A27}" type="slidenum">
+            <a:fld id="{9E153C7A-EE1A-4FCB-9E55-872F69E6B7A8}" type="slidenum">
               <a:t>&lt;#&gt;</a:t>
             </a:fld>
           </a:p>
@@ -1743,7 +1750,7 @@
             <a:spLocks noGrp="1"/>
           </p:cNvSpPr>
           <p:nvPr>
-            <p:ph type="dt" idx="1"/>
+            <p:ph type="dt" idx="3"/>
           </p:nvPr>
         </p:nvSpPr>
         <p:spPr/>
@@ -1792,7 +1799,7 @@
         <p:spPr>
           <a:xfrm>
             <a:off x="504000" y="74160"/>
-            <a:ext cx="9071640" cy="1250280"/>
+            <a:ext cx="9071280" cy="1250280"/>
           </a:xfrm>
           <a:prstGeom prst="rect">
             <a:avLst/>
@@ -1832,7 +1839,7 @@
         <p:spPr>
           <a:xfrm>
             <a:off x="504000" y="1326600"/>
-            <a:ext cx="4426920" cy="1568160"/>
+            <a:ext cx="4426920" cy="1568520"/>
           </a:xfrm>
           <a:prstGeom prst="rect">
             <a:avLst/>
@@ -1875,7 +1882,7 @@
         <p:spPr>
           <a:xfrm>
             <a:off x="5152680" y="1326600"/>
-            <a:ext cx="4426920" cy="3288240"/>
+            <a:ext cx="4426920" cy="3288600"/>
           </a:xfrm>
           <a:prstGeom prst="rect">
             <a:avLst/>
@@ -1917,8 +1924,8 @@
         </p:nvSpPr>
         <p:spPr>
           <a:xfrm>
-            <a:off x="504000" y="3044160"/>
-            <a:ext cx="4426920" cy="1568160"/>
+            <a:off x="504000" y="3044520"/>
+            <a:ext cx="4426920" cy="1568520"/>
           </a:xfrm>
           <a:prstGeom prst="rect">
             <a:avLst/>
@@ -1955,7 +1962,7 @@
             <a:spLocks noGrp="1"/>
           </p:cNvSpPr>
           <p:nvPr>
-            <p:ph type="ftr" idx="2"/>
+            <p:ph type="ftr" idx="1"/>
           </p:nvPr>
         </p:nvSpPr>
         <p:spPr/>
@@ -1975,14 +1982,14 @@
             <a:spLocks noGrp="1"/>
           </p:cNvSpPr>
           <p:nvPr>
-            <p:ph type="sldNum" idx="3"/>
+            <p:ph type="sldNum" idx="2"/>
           </p:nvPr>
         </p:nvSpPr>
         <p:spPr/>
         <p:txBody>
           <a:bodyPr/>
           <a:p>
-            <a:fld id="{D23EF86F-41FF-4F4C-BFB3-1D66450D0096}" type="slidenum">
+            <a:fld id="{4A653476-D8A7-487D-837B-79563172679F}" type="slidenum">
               <a:t>&lt;#&gt;</a:t>
             </a:fld>
           </a:p>
@@ -1995,7 +2002,7 @@
             <a:spLocks noGrp="1"/>
           </p:cNvSpPr>
           <p:nvPr>
-            <p:ph type="dt" idx="1"/>
+            <p:ph type="dt" idx="3"/>
           </p:nvPr>
         </p:nvSpPr>
         <p:spPr/>
@@ -2044,7 +2051,7 @@
         <p:spPr>
           <a:xfrm>
             <a:off x="504000" y="74160"/>
-            <a:ext cx="9071640" cy="1250280"/>
+            <a:ext cx="9071280" cy="1250280"/>
           </a:xfrm>
           <a:prstGeom prst="rect">
             <a:avLst/>
@@ -2084,7 +2091,7 @@
         <p:spPr>
           <a:xfrm>
             <a:off x="504000" y="1326600"/>
-            <a:ext cx="4426920" cy="3288240"/>
+            <a:ext cx="4426920" cy="3288600"/>
           </a:xfrm>
           <a:prstGeom prst="rect">
             <a:avLst/>
@@ -2127,7 +2134,7 @@
         <p:spPr>
           <a:xfrm>
             <a:off x="5152680" y="1326600"/>
-            <a:ext cx="4426920" cy="1568160"/>
+            <a:ext cx="4426920" cy="1568520"/>
           </a:xfrm>
           <a:prstGeom prst="rect">
             <a:avLst/>
@@ -2169,8 +2176,8 @@
         </p:nvSpPr>
         <p:spPr>
           <a:xfrm>
-            <a:off x="5152680" y="3044160"/>
-            <a:ext cx="4426920" cy="1568160"/>
+            <a:off x="5152680" y="3044520"/>
+            <a:ext cx="4426920" cy="1568520"/>
           </a:xfrm>
           <a:prstGeom prst="rect">
             <a:avLst/>
@@ -2207,7 +2214,7 @@
             <a:spLocks noGrp="1"/>
           </p:cNvSpPr>
           <p:nvPr>
-            <p:ph type="ftr" idx="2"/>
+            <p:ph type="ftr" idx="1"/>
           </p:nvPr>
         </p:nvSpPr>
         <p:spPr/>
@@ -2227,14 +2234,14 @@
             <a:spLocks noGrp="1"/>
           </p:cNvSpPr>
           <p:nvPr>
-            <p:ph type="sldNum" idx="3"/>
+            <p:ph type="sldNum" idx="2"/>
           </p:nvPr>
         </p:nvSpPr>
         <p:spPr/>
         <p:txBody>
           <a:bodyPr/>
           <a:p>
-            <a:fld id="{3EB407D7-DA7A-44F9-AEAA-0EC68069E449}" type="slidenum">
+            <a:fld id="{0E3A9E0B-8605-467A-8B44-61F51BC43F8A}" type="slidenum">
               <a:t>&lt;#&gt;</a:t>
             </a:fld>
           </a:p>
@@ -2247,7 +2254,7 @@
             <a:spLocks noGrp="1"/>
           </p:cNvSpPr>
           <p:nvPr>
-            <p:ph type="dt" idx="1"/>
+            <p:ph type="dt" idx="3"/>
           </p:nvPr>
         </p:nvSpPr>
         <p:spPr/>
@@ -2296,7 +2303,7 @@
         <p:spPr>
           <a:xfrm>
             <a:off x="504000" y="74160"/>
-            <a:ext cx="9071640" cy="1250280"/>
+            <a:ext cx="9071280" cy="1250280"/>
           </a:xfrm>
           <a:prstGeom prst="rect">
             <a:avLst/>
@@ -2336,7 +2343,7 @@
         <p:spPr>
           <a:xfrm>
             <a:off x="504000" y="1326600"/>
-            <a:ext cx="4426920" cy="1568160"/>
+            <a:ext cx="4426920" cy="1568520"/>
           </a:xfrm>
           <a:prstGeom prst="rect">
             <a:avLst/>
@@ -2379,7 +2386,7 @@
         <p:spPr>
           <a:xfrm>
             <a:off x="5152680" y="1326600"/>
-            <a:ext cx="4426920" cy="1568160"/>
+            <a:ext cx="4426920" cy="1568520"/>
           </a:xfrm>
           <a:prstGeom prst="rect">
             <a:avLst/>
@@ -2421,8 +2428,8 @@
         </p:nvSpPr>
         <p:spPr>
           <a:xfrm>
-            <a:off x="504000" y="3044160"/>
-            <a:ext cx="9071640" cy="1568160"/>
+            <a:off x="504000" y="3044520"/>
+            <a:ext cx="9072000" cy="1568520"/>
           </a:xfrm>
           <a:prstGeom prst="rect">
             <a:avLst/>
@@ -2459,7 +2466,7 @@
             <a:spLocks noGrp="1"/>
           </p:cNvSpPr>
           <p:nvPr>
-            <p:ph type="ftr" idx="2"/>
+            <p:ph type="ftr" idx="1"/>
           </p:nvPr>
         </p:nvSpPr>
         <p:spPr/>
@@ -2479,14 +2486,14 @@
             <a:spLocks noGrp="1"/>
           </p:cNvSpPr>
           <p:nvPr>
-            <p:ph type="sldNum" idx="3"/>
+            <p:ph type="sldNum" idx="2"/>
           </p:nvPr>
         </p:nvSpPr>
         <p:spPr/>
         <p:txBody>
           <a:bodyPr/>
           <a:p>
-            <a:fld id="{C3851BAD-DE96-49A2-BA56-E430AC516AEE}" type="slidenum">
+            <a:fld id="{5B6F880C-5308-4AFF-A5F9-96BD8E97D0DA}" type="slidenum">
               <a:t>&lt;#&gt;</a:t>
             </a:fld>
           </a:p>
@@ -2499,7 +2506,7 @@
             <a:spLocks noGrp="1"/>
           </p:cNvSpPr>
           <p:nvPr>
-            <p:ph type="dt" idx="1"/>
+            <p:ph type="dt" idx="3"/>
           </p:nvPr>
         </p:nvSpPr>
         <p:spPr/>
@@ -2547,8 +2554,8 @@
         </p:nvSpPr>
         <p:spPr>
           <a:xfrm>
-            <a:off x="504000" y="226080"/>
-            <a:ext cx="9071640" cy="946440"/>
+            <a:off x="504000" y="74160"/>
+            <a:ext cx="9071280" cy="1249920"/>
           </a:xfrm>
           <a:prstGeom prst="rect">
             <a:avLst/>
@@ -2563,11 +2570,11 @@
             <a:noAutofit/>
           </a:bodyPr>
           <a:p>
-            <a:pPr indent="0" algn="ctr">
-              <a:buNone/>
-            </a:pPr>
-            <a:r>
-              <a:rPr b="0" lang="ru-RU" sz="4400" spc="-1" strike="noStrike">
+            <a:pPr indent="0">
+              <a:buNone/>
+            </a:pPr>
+            <a:r>
+              <a:rPr b="0" lang="ru-RU" sz="1800" spc="-1" strike="noStrike">
                 <a:solidFill>
                   <a:srgbClr val="000000"/>
                 </a:solidFill>
@@ -2575,7 +2582,7 @@
               </a:rPr>
               <a:t>Для правки текста заглавия щёлкните мышью</a:t>
             </a:r>
-            <a:endParaRPr b="0" lang="ru-RU" sz="4400" spc="-1" strike="noStrike">
+            <a:endParaRPr b="0" lang="ru-RU" sz="1800" spc="-1" strike="noStrike">
               <a:solidFill>
                 <a:srgbClr val="000000"/>
               </a:solidFill>
@@ -2591,238 +2598,13 @@
             <a:spLocks noGrp="1"/>
           </p:cNvSpPr>
           <p:nvPr>
-            <p:ph type="body"/>
-          </p:nvPr>
-        </p:nvSpPr>
-        <p:spPr>
-          <a:xfrm>
-            <a:off x="504000" y="1326600"/>
-            <a:ext cx="9071640" cy="3288240"/>
-          </a:xfrm>
-          <a:prstGeom prst="rect">
-            <a:avLst/>
-          </a:prstGeom>
-          <a:noFill/>
-          <a:ln w="0">
-            <a:noFill/>
-          </a:ln>
-        </p:spPr>
-        <p:txBody>
-          <a:bodyPr lIns="0" rIns="0" tIns="0" bIns="0" anchor="t">
-            <a:normAutofit/>
-          </a:bodyPr>
-          <a:p>
-            <a:pPr marL="432000" indent="-324000">
-              <a:spcBef>
-                <a:spcPts val="1417"/>
-              </a:spcBef>
-              <a:buClr>
-                <a:srgbClr val="000000"/>
-              </a:buClr>
-              <a:buSzPct val="45000"/>
-              <a:buFont typeface="Wingdings" charset="2"/>
-              <a:buChar char=""/>
-            </a:pPr>
-            <a:r>
-              <a:rPr b="0" lang="ru-RU" sz="3200" spc="-1" strike="noStrike">
-                <a:solidFill>
-                  <a:srgbClr val="000000"/>
-                </a:solidFill>
-                <a:latin typeface="Arial"/>
-              </a:rPr>
-              <a:t>Для правки структуры щёлкните мышью</a:t>
-            </a:r>
-            <a:endParaRPr b="0" lang="ru-RU" sz="3200" spc="-1" strike="noStrike">
-              <a:solidFill>
-                <a:srgbClr val="000000"/>
-              </a:solidFill>
-              <a:latin typeface="Arial"/>
-            </a:endParaRPr>
-          </a:p>
-          <a:p>
-            <a:pPr lvl="1" marL="864000" indent="-324000">
-              <a:spcBef>
-                <a:spcPts val="1134"/>
-              </a:spcBef>
-              <a:buClr>
-                <a:srgbClr val="000000"/>
-              </a:buClr>
-              <a:buSzPct val="75000"/>
-              <a:buFont typeface="Symbol" charset="2"/>
-              <a:buChar char=""/>
-            </a:pPr>
-            <a:r>
-              <a:rPr b="0" lang="ru-RU" sz="2800" spc="-1" strike="noStrike">
-                <a:solidFill>
-                  <a:srgbClr val="000000"/>
-                </a:solidFill>
-                <a:latin typeface="Arial"/>
-              </a:rPr>
-              <a:t>Второй уровень структуры</a:t>
-            </a:r>
-            <a:endParaRPr b="0" lang="ru-RU" sz="2800" spc="-1" strike="noStrike">
-              <a:solidFill>
-                <a:srgbClr val="000000"/>
-              </a:solidFill>
-              <a:latin typeface="Arial"/>
-            </a:endParaRPr>
-          </a:p>
-          <a:p>
-            <a:pPr lvl="2" marL="1296000" indent="-288000">
-              <a:spcBef>
-                <a:spcPts val="850"/>
-              </a:spcBef>
-              <a:buClr>
-                <a:srgbClr val="000000"/>
-              </a:buClr>
-              <a:buSzPct val="45000"/>
-              <a:buFont typeface="Wingdings" charset="2"/>
-              <a:buChar char=""/>
-            </a:pPr>
-            <a:r>
-              <a:rPr b="0" lang="ru-RU" sz="2400" spc="-1" strike="noStrike">
-                <a:solidFill>
-                  <a:srgbClr val="000000"/>
-                </a:solidFill>
-                <a:latin typeface="Arial"/>
-              </a:rPr>
-              <a:t>Третий уровень структуры</a:t>
-            </a:r>
-            <a:endParaRPr b="0" lang="ru-RU" sz="2400" spc="-1" strike="noStrike">
-              <a:solidFill>
-                <a:srgbClr val="000000"/>
-              </a:solidFill>
-              <a:latin typeface="Arial"/>
-            </a:endParaRPr>
-          </a:p>
-          <a:p>
-            <a:pPr lvl="3" marL="1728000" indent="-216000">
-              <a:spcBef>
-                <a:spcPts val="567"/>
-              </a:spcBef>
-              <a:buClr>
-                <a:srgbClr val="000000"/>
-              </a:buClr>
-              <a:buSzPct val="75000"/>
-              <a:buFont typeface="Symbol" charset="2"/>
-              <a:buChar char=""/>
-            </a:pPr>
-            <a:r>
-              <a:rPr b="0" lang="ru-RU" sz="2000" spc="-1" strike="noStrike">
-                <a:solidFill>
-                  <a:srgbClr val="000000"/>
-                </a:solidFill>
-                <a:latin typeface="Arial"/>
-              </a:rPr>
-              <a:t>Четвёртый уровень структуры</a:t>
-            </a:r>
-            <a:endParaRPr b="0" lang="ru-RU" sz="2000" spc="-1" strike="noStrike">
-              <a:solidFill>
-                <a:srgbClr val="000000"/>
-              </a:solidFill>
-              <a:latin typeface="Arial"/>
-            </a:endParaRPr>
-          </a:p>
-          <a:p>
-            <a:pPr lvl="4" marL="2160000" indent="-216000">
-              <a:spcBef>
-                <a:spcPts val="283"/>
-              </a:spcBef>
-              <a:buClr>
-                <a:srgbClr val="000000"/>
-              </a:buClr>
-              <a:buSzPct val="45000"/>
-              <a:buFont typeface="Wingdings" charset="2"/>
-              <a:buChar char=""/>
-            </a:pPr>
-            <a:r>
-              <a:rPr b="0" lang="ru-RU" sz="2000" spc="-1" strike="noStrike">
-                <a:solidFill>
-                  <a:srgbClr val="000000"/>
-                </a:solidFill>
-                <a:latin typeface="Arial"/>
-              </a:rPr>
-              <a:t>Пятый уровень структуры</a:t>
-            </a:r>
-            <a:endParaRPr b="0" lang="ru-RU" sz="2000" spc="-1" strike="noStrike">
-              <a:solidFill>
-                <a:srgbClr val="000000"/>
-              </a:solidFill>
-              <a:latin typeface="Arial"/>
-            </a:endParaRPr>
-          </a:p>
-          <a:p>
-            <a:pPr lvl="5" marL="2592000" indent="-216000">
-              <a:spcBef>
-                <a:spcPts val="283"/>
-              </a:spcBef>
-              <a:buClr>
-                <a:srgbClr val="000000"/>
-              </a:buClr>
-              <a:buSzPct val="45000"/>
-              <a:buFont typeface="Wingdings" charset="2"/>
-              <a:buChar char=""/>
-            </a:pPr>
-            <a:r>
-              <a:rPr b="0" lang="ru-RU" sz="2000" spc="-1" strike="noStrike">
-                <a:solidFill>
-                  <a:srgbClr val="000000"/>
-                </a:solidFill>
-                <a:latin typeface="Arial"/>
-              </a:rPr>
-              <a:t>Шестой уровень структуры</a:t>
-            </a:r>
-            <a:endParaRPr b="0" lang="ru-RU" sz="2000" spc="-1" strike="noStrike">
-              <a:solidFill>
-                <a:srgbClr val="000000"/>
-              </a:solidFill>
-              <a:latin typeface="Arial"/>
-            </a:endParaRPr>
-          </a:p>
-          <a:p>
-            <a:pPr lvl="6" marL="3024000" indent="-216000">
-              <a:spcBef>
-                <a:spcPts val="283"/>
-              </a:spcBef>
-              <a:buClr>
-                <a:srgbClr val="000000"/>
-              </a:buClr>
-              <a:buSzPct val="45000"/>
-              <a:buFont typeface="Wingdings" charset="2"/>
-              <a:buChar char=""/>
-            </a:pPr>
-            <a:r>
-              <a:rPr b="0" lang="ru-RU" sz="2000" spc="-1" strike="noStrike">
-                <a:solidFill>
-                  <a:srgbClr val="000000"/>
-                </a:solidFill>
-                <a:latin typeface="Arial"/>
-              </a:rPr>
-              <a:t>Седьмой уровень структуры</a:t>
-            </a:r>
-            <a:endParaRPr b="0" lang="ru-RU" sz="2000" spc="-1" strike="noStrike">
-              <a:solidFill>
-                <a:srgbClr val="000000"/>
-              </a:solidFill>
-              <a:latin typeface="Arial"/>
-            </a:endParaRPr>
-          </a:p>
-        </p:txBody>
-      </p:sp>
-      <p:sp>
-        <p:nvSpPr>
-          <p:cNvPr id="2" name="PlaceHolder 3"/>
-          <p:cNvSpPr>
-            <a:spLocks noGrp="1"/>
-          </p:cNvSpPr>
-          <p:nvPr>
-            <p:ph type="dt" idx="1"/>
-          </p:nvPr>
-        </p:nvSpPr>
-        <p:spPr>
-          <a:xfrm>
-            <a:off x="504000" y="5165280"/>
-            <a:ext cx="2348280" cy="390600"/>
+            <p:ph type="ftr" idx="1"/>
+          </p:nvPr>
+        </p:nvSpPr>
+        <p:spPr>
+          <a:xfrm>
+            <a:off x="3447360" y="5165280"/>
+            <a:ext cx="3194640" cy="390240"/>
           </a:xfrm>
           <a:prstGeom prst="rect">
             <a:avLst/>
@@ -2837,8 +2619,14 @@
             <a:noAutofit/>
           </a:bodyPr>
           <a:lstStyle>
-            <a:lvl1pPr indent="0">
-              <a:buNone/>
+            <a:lvl1pPr indent="0" algn="ctr">
+              <a:lnSpc>
+                <a:spcPct val="100000"/>
+              </a:lnSpc>
+              <a:buNone/>
+              <a:tabLst>
+                <a:tab algn="l" pos="0"/>
+              </a:tabLst>
               <a:defRPr b="0" lang="ru-RU" sz="1400" spc="-1" strike="noStrike">
                 <a:solidFill>
                   <a:srgbClr val="000000"/>
@@ -2848,8 +2636,14 @@
             </a:lvl1pPr>
           </a:lstStyle>
           <a:p>
-            <a:pPr indent="0">
-              <a:buNone/>
+            <a:pPr indent="0" algn="ctr">
+              <a:lnSpc>
+                <a:spcPct val="100000"/>
+              </a:lnSpc>
+              <a:buNone/>
+              <a:tabLst>
+                <a:tab algn="l" pos="0"/>
+              </a:tabLst>
             </a:pPr>
             <a:r>
               <a:rPr b="0" lang="ru-RU" sz="1400" spc="-1" strike="noStrike">
@@ -2858,7 +2652,7 @@
                 </a:solidFill>
                 <a:latin typeface="Times New Roman"/>
               </a:rPr>
-              <a:t>&lt;дата/время&gt;</a:t>
+              <a:t>&lt;нижний колонтитул&gt;</a:t>
             </a:r>
             <a:endParaRPr b="0" lang="ru-RU" sz="1400" spc="-1" strike="noStrike">
               <a:solidFill>
@@ -2871,18 +2665,18 @@
       </p:sp>
       <p:sp>
         <p:nvSpPr>
-          <p:cNvPr id="3" name="PlaceHolder 4"/>
-          <p:cNvSpPr>
-            <a:spLocks noGrp="1"/>
-          </p:cNvSpPr>
-          <p:nvPr>
-            <p:ph type="ftr" idx="2"/>
-          </p:nvPr>
-        </p:nvSpPr>
-        <p:spPr>
-          <a:xfrm>
-            <a:off x="3447360" y="5165280"/>
-            <a:ext cx="3195000" cy="390600"/>
+          <p:cNvPr id="2" name="PlaceHolder 3"/>
+          <p:cNvSpPr>
+            <a:spLocks noGrp="1"/>
+          </p:cNvSpPr>
+          <p:nvPr>
+            <p:ph type="sldNum" idx="2"/>
+          </p:nvPr>
+        </p:nvSpPr>
+        <p:spPr>
+          <a:xfrm>
+            <a:off x="7227360" y="5165280"/>
+            <a:ext cx="2347920" cy="390240"/>
           </a:xfrm>
           <a:prstGeom prst="rect">
             <a:avLst/>
@@ -2897,8 +2691,14 @@
             <a:noAutofit/>
           </a:bodyPr>
           <a:lstStyle>
-            <a:lvl1pPr indent="0" algn="ctr">
-              <a:buNone/>
+            <a:lvl1pPr indent="0" algn="r">
+              <a:lnSpc>
+                <a:spcPct val="100000"/>
+              </a:lnSpc>
+              <a:buNone/>
+              <a:tabLst>
+                <a:tab algn="l" pos="0"/>
+              </a:tabLst>
               <a:defRPr b="0" lang="ru-RU" sz="1400" spc="-1" strike="noStrike">
                 <a:solidFill>
                   <a:srgbClr val="000000"/>
@@ -2908,70 +2708,16 @@
             </a:lvl1pPr>
           </a:lstStyle>
           <a:p>
-            <a:pPr indent="0" algn="ctr">
-              <a:buNone/>
-            </a:pPr>
-            <a:r>
-              <a:rPr b="0" lang="ru-RU" sz="1400" spc="-1" strike="noStrike">
-                <a:solidFill>
-                  <a:srgbClr val="000000"/>
-                </a:solidFill>
-                <a:latin typeface="Times New Roman"/>
-              </a:rPr>
-              <a:t>&lt;нижний колонтитул&gt;</a:t>
-            </a:r>
-            <a:endParaRPr b="0" lang="ru-RU" sz="1400" spc="-1" strike="noStrike">
-              <a:solidFill>
-                <a:srgbClr val="000000"/>
-              </a:solidFill>
-              <a:latin typeface="Times New Roman"/>
-            </a:endParaRPr>
-          </a:p>
-        </p:txBody>
-      </p:sp>
-      <p:sp>
-        <p:nvSpPr>
-          <p:cNvPr id="4" name="PlaceHolder 5"/>
-          <p:cNvSpPr>
-            <a:spLocks noGrp="1"/>
-          </p:cNvSpPr>
-          <p:nvPr>
-            <p:ph type="sldNum" idx="3"/>
-          </p:nvPr>
-        </p:nvSpPr>
-        <p:spPr>
-          <a:xfrm>
-            <a:off x="7227360" y="5165280"/>
-            <a:ext cx="2348280" cy="390600"/>
-          </a:xfrm>
-          <a:prstGeom prst="rect">
-            <a:avLst/>
-          </a:prstGeom>
-          <a:noFill/>
-          <a:ln w="0">
-            <a:noFill/>
-          </a:ln>
-        </p:spPr>
-        <p:txBody>
-          <a:bodyPr lIns="0" rIns="0" tIns="0" bIns="0" anchor="t">
-            <a:noAutofit/>
-          </a:bodyPr>
-          <a:lstStyle>
-            <a:lvl1pPr indent="0" algn="r">
-              <a:buNone/>
-              <a:defRPr b="0" lang="ru-RU" sz="1400" spc="-1" strike="noStrike">
-                <a:solidFill>
-                  <a:srgbClr val="000000"/>
-                </a:solidFill>
-                <a:latin typeface="Times New Roman"/>
-              </a:defRPr>
-            </a:lvl1pPr>
-          </a:lstStyle>
-          <a:p>
             <a:pPr indent="0" algn="r">
-              <a:buNone/>
-            </a:pPr>
-            <a:fld id="{7E916105-261A-4A31-88F0-830D091314B5}" type="slidenum">
+              <a:lnSpc>
+                <a:spcPct val="100000"/>
+              </a:lnSpc>
+              <a:buNone/>
+              <a:tabLst>
+                <a:tab algn="l" pos="0"/>
+              </a:tabLst>
+            </a:pPr>
+            <a:fld id="{BCBE6A1A-A984-4752-9201-5495AD91EEF3}" type="slidenum">
               <a:rPr b="0" lang="ru-RU" sz="1400" spc="-1" strike="noStrike">
                 <a:solidFill>
                   <a:srgbClr val="000000"/>
@@ -2985,6 +2731,291 @@
                 <a:srgbClr val="000000"/>
               </a:solidFill>
               <a:latin typeface="Times New Roman"/>
+            </a:endParaRPr>
+          </a:p>
+        </p:txBody>
+      </p:sp>
+      <p:sp>
+        <p:nvSpPr>
+          <p:cNvPr id="3" name="PlaceHolder 4"/>
+          <p:cNvSpPr>
+            <a:spLocks noGrp="1"/>
+          </p:cNvSpPr>
+          <p:nvPr>
+            <p:ph type="dt" idx="3"/>
+          </p:nvPr>
+        </p:nvSpPr>
+        <p:spPr>
+          <a:xfrm>
+            <a:off x="504000" y="5165280"/>
+            <a:ext cx="2347920" cy="390240"/>
+          </a:xfrm>
+          <a:prstGeom prst="rect">
+            <a:avLst/>
+          </a:prstGeom>
+          <a:noFill/>
+          <a:ln w="0">
+            <a:noFill/>
+          </a:ln>
+        </p:spPr>
+        <p:txBody>
+          <a:bodyPr lIns="0" rIns="0" tIns="0" bIns="0" anchor="t">
+            <a:noAutofit/>
+          </a:bodyPr>
+          <a:lstStyle>
+            <a:lvl1pPr indent="0">
+              <a:buNone/>
+              <a:defRPr b="0" lang="ru-RU" sz="1400" spc="-1" strike="noStrike">
+                <a:solidFill>
+                  <a:srgbClr val="000000"/>
+                </a:solidFill>
+                <a:latin typeface="Times New Roman"/>
+              </a:defRPr>
+            </a:lvl1pPr>
+          </a:lstStyle>
+          <a:p>
+            <a:pPr indent="0">
+              <a:buNone/>
+            </a:pPr>
+            <a:r>
+              <a:rPr b="0" lang="ru-RU" sz="1400" spc="-1" strike="noStrike">
+                <a:solidFill>
+                  <a:srgbClr val="000000"/>
+                </a:solidFill>
+                <a:latin typeface="Times New Roman"/>
+              </a:rPr>
+              <a:t>&lt;дата/время&gt;</a:t>
+            </a:r>
+            <a:endParaRPr b="0" lang="ru-RU" sz="1400" spc="-1" strike="noStrike">
+              <a:solidFill>
+                <a:srgbClr val="000000"/>
+              </a:solidFill>
+              <a:latin typeface="Times New Roman"/>
+            </a:endParaRPr>
+          </a:p>
+        </p:txBody>
+      </p:sp>
+      <p:sp>
+        <p:nvSpPr>
+          <p:cNvPr id="4" name="PlaceHolder 5"/>
+          <p:cNvSpPr>
+            <a:spLocks noGrp="1"/>
+          </p:cNvSpPr>
+          <p:nvPr>
+            <p:ph type="body"/>
+          </p:nvPr>
+        </p:nvSpPr>
+        <p:spPr>
+          <a:xfrm>
+            <a:off x="504000" y="1326600"/>
+            <a:ext cx="9072000" cy="3288600"/>
+          </a:xfrm>
+          <a:prstGeom prst="rect">
+            <a:avLst/>
+          </a:prstGeom>
+          <a:noFill/>
+          <a:ln w="0">
+            <a:noFill/>
+          </a:ln>
+        </p:spPr>
+        <p:txBody>
+          <a:bodyPr lIns="0" rIns="0" tIns="0" bIns="0" anchor="t">
+            <a:normAutofit/>
+          </a:bodyPr>
+          <a:p>
+            <a:pPr marL="432000" indent="-324000">
+              <a:spcBef>
+                <a:spcPts val="1417"/>
+              </a:spcBef>
+              <a:buClr>
+                <a:srgbClr val="000000"/>
+              </a:buClr>
+              <a:buSzPct val="45000"/>
+              <a:buFont typeface="Wingdings" charset="2"/>
+              <a:buChar char=""/>
+            </a:pPr>
+            <a:r>
+              <a:rPr b="0" lang="ru-RU" sz="3200" spc="-1" strike="noStrike">
+                <a:solidFill>
+                  <a:srgbClr val="000000"/>
+                </a:solidFill>
+                <a:latin typeface="Arial"/>
+              </a:rPr>
+              <a:t>Для правки структуры щёлкните мышью</a:t>
+            </a:r>
+            <a:endParaRPr b="0" lang="ru-RU" sz="3200" spc="-1" strike="noStrike">
+              <a:solidFill>
+                <a:srgbClr val="000000"/>
+              </a:solidFill>
+              <a:latin typeface="Arial"/>
+            </a:endParaRPr>
+          </a:p>
+          <a:p>
+            <a:pPr lvl="1" marL="864000" indent="-324000">
+              <a:spcBef>
+                <a:spcPts val="1134"/>
+              </a:spcBef>
+              <a:buClr>
+                <a:srgbClr val="000000"/>
+              </a:buClr>
+              <a:buSzPct val="75000"/>
+              <a:buFont typeface="Symbol" charset="2"/>
+              <a:buChar char=""/>
+            </a:pPr>
+            <a:r>
+              <a:rPr b="0" lang="ru-RU" sz="2800" spc="-1" strike="noStrike">
+                <a:solidFill>
+                  <a:srgbClr val="000000"/>
+                </a:solidFill>
+                <a:latin typeface="Arial"/>
+              </a:rPr>
+              <a:t>Второй уровень структуры</a:t>
+            </a:r>
+            <a:endParaRPr b="0" lang="ru-RU" sz="2800" spc="-1" strike="noStrike">
+              <a:solidFill>
+                <a:srgbClr val="000000"/>
+              </a:solidFill>
+              <a:latin typeface="Arial"/>
+            </a:endParaRPr>
+          </a:p>
+          <a:p>
+            <a:pPr lvl="2" marL="1296000" indent="-288000">
+              <a:spcBef>
+                <a:spcPts val="850"/>
+              </a:spcBef>
+              <a:buClr>
+                <a:srgbClr val="000000"/>
+              </a:buClr>
+              <a:buSzPct val="45000"/>
+              <a:buFont typeface="Wingdings" charset="2"/>
+              <a:buChar char=""/>
+            </a:pPr>
+            <a:r>
+              <a:rPr b="0" lang="ru-RU" sz="2400" spc="-1" strike="noStrike">
+                <a:solidFill>
+                  <a:srgbClr val="000000"/>
+                </a:solidFill>
+                <a:latin typeface="Arial"/>
+              </a:rPr>
+              <a:t>Третий уровень структуры</a:t>
+            </a:r>
+            <a:endParaRPr b="0" lang="ru-RU" sz="2400" spc="-1" strike="noStrike">
+              <a:solidFill>
+                <a:srgbClr val="000000"/>
+              </a:solidFill>
+              <a:latin typeface="Arial"/>
+            </a:endParaRPr>
+          </a:p>
+          <a:p>
+            <a:pPr lvl="3" marL="1728000" indent="-216000">
+              <a:spcBef>
+                <a:spcPts val="567"/>
+              </a:spcBef>
+              <a:buClr>
+                <a:srgbClr val="000000"/>
+              </a:buClr>
+              <a:buSzPct val="75000"/>
+              <a:buFont typeface="Symbol" charset="2"/>
+              <a:buChar char=""/>
+            </a:pPr>
+            <a:r>
+              <a:rPr b="0" lang="ru-RU" sz="2000" spc="-1" strike="noStrike">
+                <a:solidFill>
+                  <a:srgbClr val="000000"/>
+                </a:solidFill>
+                <a:latin typeface="Arial"/>
+              </a:rPr>
+              <a:t>Четвёртый уровень структуры</a:t>
+            </a:r>
+            <a:endParaRPr b="0" lang="ru-RU" sz="2000" spc="-1" strike="noStrike">
+              <a:solidFill>
+                <a:srgbClr val="000000"/>
+              </a:solidFill>
+              <a:latin typeface="Arial"/>
+            </a:endParaRPr>
+          </a:p>
+          <a:p>
+            <a:pPr lvl="4" marL="2160000" indent="-216000">
+              <a:spcBef>
+                <a:spcPts val="283"/>
+              </a:spcBef>
+              <a:buClr>
+                <a:srgbClr val="000000"/>
+              </a:buClr>
+              <a:buSzPct val="45000"/>
+              <a:buFont typeface="Wingdings" charset="2"/>
+              <a:buChar char=""/>
+            </a:pPr>
+            <a:r>
+              <a:rPr b="0" lang="ru-RU" sz="2000" spc="-1" strike="noStrike">
+                <a:solidFill>
+                  <a:srgbClr val="000000"/>
+                </a:solidFill>
+                <a:latin typeface="Arial"/>
+              </a:rPr>
+              <a:t>Пятый уровень структуры</a:t>
+            </a:r>
+            <a:endParaRPr b="0" lang="ru-RU" sz="2000" spc="-1" strike="noStrike">
+              <a:solidFill>
+                <a:srgbClr val="000000"/>
+              </a:solidFill>
+              <a:latin typeface="Arial"/>
+            </a:endParaRPr>
+          </a:p>
+          <a:p>
+            <a:pPr lvl="5" marL="2592000" indent="-216000">
+              <a:spcBef>
+                <a:spcPts val="283"/>
+              </a:spcBef>
+              <a:buClr>
+                <a:srgbClr val="000000"/>
+              </a:buClr>
+              <a:buSzPct val="45000"/>
+              <a:buFont typeface="Wingdings" charset="2"/>
+              <a:buChar char=""/>
+            </a:pPr>
+            <a:r>
+              <a:rPr b="0" lang="ru-RU" sz="2000" spc="-1" strike="noStrike">
+                <a:solidFill>
+                  <a:srgbClr val="000000"/>
+                </a:solidFill>
+                <a:latin typeface="Arial"/>
+              </a:rPr>
+              <a:t>Шестой уровень структуры</a:t>
+            </a:r>
+            <a:endParaRPr b="0" lang="ru-RU" sz="2000" spc="-1" strike="noStrike">
+              <a:solidFill>
+                <a:srgbClr val="000000"/>
+              </a:solidFill>
+              <a:latin typeface="Arial"/>
+            </a:endParaRPr>
+          </a:p>
+          <a:p>
+            <a:pPr lvl="6" marL="3024000" indent="-216000">
+              <a:spcBef>
+                <a:spcPts val="283"/>
+              </a:spcBef>
+              <a:buClr>
+                <a:srgbClr val="000000"/>
+              </a:buClr>
+              <a:buSzPct val="45000"/>
+              <a:buFont typeface="Wingdings" charset="2"/>
+              <a:buChar char=""/>
+            </a:pPr>
+            <a:r>
+              <a:rPr b="0" lang="ru-RU" sz="2000" spc="-1" strike="noStrike">
+                <a:solidFill>
+                  <a:srgbClr val="000000"/>
+                </a:solidFill>
+                <a:latin typeface="Arial"/>
+              </a:rPr>
+              <a:t>Седьмой уровень структуры</a:t>
+            </a:r>
+            <a:endParaRPr b="0" lang="ru-RU" sz="2000" spc="-1" strike="noStrike">
+              <a:solidFill>
+                <a:srgbClr val="000000"/>
+              </a:solidFill>
+              <a:latin typeface="Arial"/>
             </a:endParaRPr>
           </a:p>
         </p:txBody>
@@ -3039,7 +3070,7 @@
         <p:spPr>
           <a:xfrm>
             <a:off x="1835280" y="252360"/>
-            <a:ext cx="6403680" cy="968400"/>
+            <a:ext cx="6403320" cy="968040"/>
           </a:xfrm>
           <a:prstGeom prst="rect">
             <a:avLst/>
@@ -3049,6 +3080,1202 @@
           </a:ln>
         </p:spPr>
       </p:pic>
+      <p:sp>
+        <p:nvSpPr>
+          <p:cNvPr id="42" name=""/>
+          <p:cNvSpPr txBox="1"/>
+          <p:nvPr/>
+        </p:nvSpPr>
+        <p:spPr>
+          <a:xfrm>
+            <a:off x="7414920" y="5024880"/>
+            <a:ext cx="2053800" cy="369360"/>
+          </a:xfrm>
+          <a:prstGeom prst="rect">
+            <a:avLst/>
+          </a:prstGeom>
+          <a:noFill/>
+          <a:ln w="0">
+            <a:noFill/>
+          </a:ln>
+        </p:spPr>
+        <p:txBody>
+          <a:bodyPr lIns="90000" rIns="90000" tIns="45000" bIns="45000" anchor="t">
+            <a:noAutofit/>
+          </a:bodyPr>
+          <a:p>
+            <a:r>
+              <a:rPr b="0" lang="ru-RU" sz="1800" spc="-1" strike="noStrike">
+                <a:solidFill>
+                  <a:srgbClr val="000000"/>
+                </a:solidFill>
+                <a:latin typeface="Impact"/>
+              </a:rPr>
+              <a:t>Автор: Горобец Лев</a:t>
+            </a:r>
+            <a:endParaRPr b="0" lang="ru-RU" sz="1800" spc="-1" strike="noStrike">
+              <a:solidFill>
+                <a:srgbClr val="000000"/>
+              </a:solidFill>
+              <a:latin typeface="Impact"/>
+            </a:endParaRPr>
+          </a:p>
+        </p:txBody>
+      </p:sp>
+      <p:sp>
+        <p:nvSpPr>
+          <p:cNvPr id="43" name=""/>
+          <p:cNvSpPr txBox="1"/>
+          <p:nvPr/>
+        </p:nvSpPr>
+        <p:spPr>
+          <a:xfrm>
+            <a:off x="2471040" y="1473120"/>
+            <a:ext cx="5131440" cy="624600"/>
+          </a:xfrm>
+          <a:prstGeom prst="rect">
+            <a:avLst/>
+          </a:prstGeom>
+          <a:noFill/>
+          <a:ln w="0">
+            <a:noFill/>
+          </a:ln>
+        </p:spPr>
+        <p:txBody>
+          <a:bodyPr lIns="90000" rIns="90000" tIns="45000" bIns="45000" anchor="ctr">
+            <a:noAutofit/>
+          </a:bodyPr>
+          <a:p>
+            <a:pPr algn="ctr"/>
+            <a:r>
+              <a:rPr b="0" lang="ru-RU" sz="2400" spc="-1" strike="noStrike">
+                <a:solidFill>
+                  <a:srgbClr val="000000"/>
+                </a:solidFill>
+                <a:latin typeface="Impact"/>
+              </a:rPr>
+              <a:t>Универсальный редактор викторин!</a:t>
+            </a:r>
+            <a:endParaRPr b="0" lang="ru-RU" sz="2400" spc="-1" strike="noStrike">
+              <a:solidFill>
+                <a:srgbClr val="000000"/>
+              </a:solidFill>
+              <a:latin typeface="Impact"/>
+            </a:endParaRPr>
+          </a:p>
+        </p:txBody>
+      </p:sp>
+      <p:pic>
+        <p:nvPicPr>
+          <p:cNvPr id="44" name="" descr=""/>
+          <p:cNvPicPr/>
+          <p:nvPr/>
+        </p:nvPicPr>
+        <p:blipFill>
+          <a:blip r:embed="rId2"/>
+          <a:stretch/>
+        </p:blipFill>
+        <p:spPr>
+          <a:xfrm>
+            <a:off x="1395720" y="2458800"/>
+            <a:ext cx="4208760" cy="2932560"/>
+          </a:xfrm>
+          <a:prstGeom prst="rect">
+            <a:avLst/>
+          </a:prstGeom>
+          <a:ln w="0">
+            <a:noFill/>
+          </a:ln>
+        </p:spPr>
+      </p:pic>
+    </p:spTree>
+  </p:cSld>
+  <mc:AlternateContent>
+    <mc:Choice Requires="p14">
+      <p:transition spd="slow" p14:dur="2000"/>
+    </mc:Choice>
+    <mc:Fallback>
+      <p:transition spd="slow"/>
+    </mc:Fallback>
+  </mc:AlternateContent>
+</p:sld>
+</file>
+
+<file path=ppt/slides/slide2.xml><?xml version="1.0" encoding="utf-8"?>
+<p:sld xmlns:a="http://schemas.openxmlformats.org/drawingml/2006/main" xmlns:p="http://schemas.openxmlformats.org/presentationml/2006/main" xmlns:r="http://schemas.openxmlformats.org/officeDocument/2006/relationships" xmlns:p14="http://schemas.microsoft.com/office/powerpoint/2010/main" xmlns:p15="http://schemas.microsoft.com/office/powerpoint/2012/main" xmlns:mc="http://schemas.openxmlformats.org/markup-compatibility/2006">
+  <p:cSld>
+    <p:spTree>
+      <p:nvGrpSpPr>
+        <p:cNvPr id="1" name=""/>
+        <p:cNvGrpSpPr/>
+        <p:nvPr/>
+      </p:nvGrpSpPr>
+      <p:grpSpPr>
+        <a:xfrm>
+          <a:off x="0" y="0"/>
+          <a:ext cx="0" cy="0"/>
+          <a:chOff x="0" y="0"/>
+          <a:chExt cx="0" cy="0"/>
+        </a:xfrm>
+      </p:grpSpPr>
+      <p:pic>
+        <p:nvPicPr>
+          <p:cNvPr id="45" name="" descr=""/>
+          <p:cNvPicPr/>
+          <p:nvPr/>
+        </p:nvPicPr>
+        <p:blipFill>
+          <a:blip r:embed="rId1"/>
+          <a:stretch/>
+        </p:blipFill>
+        <p:spPr>
+          <a:xfrm>
+            <a:off x="3621960" y="2606760"/>
+            <a:ext cx="2916360" cy="2916360"/>
+          </a:xfrm>
+          <a:prstGeom prst="rect">
+            <a:avLst/>
+          </a:prstGeom>
+          <a:ln w="0">
+            <a:noFill/>
+          </a:ln>
+        </p:spPr>
+      </p:pic>
+      <p:sp>
+        <p:nvSpPr>
+          <p:cNvPr id="46" name="PlaceHolder 1"/>
+          <p:cNvSpPr>
+            <a:spLocks noGrp="1"/>
+          </p:cNvSpPr>
+          <p:nvPr>
+            <p:ph type="title"/>
+          </p:nvPr>
+        </p:nvSpPr>
+        <p:spPr>
+          <a:xfrm>
+            <a:off x="504000" y="74160"/>
+            <a:ext cx="9071280" cy="1249920"/>
+          </a:xfrm>
+          <a:prstGeom prst="rect">
+            <a:avLst/>
+          </a:prstGeom>
+          <a:noFill/>
+          <a:ln w="0">
+            <a:noFill/>
+          </a:ln>
+        </p:spPr>
+        <p:txBody>
+          <a:bodyPr lIns="0" rIns="0" tIns="0" bIns="0" anchor="ctr">
+            <a:noAutofit/>
+          </a:bodyPr>
+          <a:p>
+            <a:pPr indent="0" algn="ctr">
+              <a:buNone/>
+            </a:pPr>
+            <a:r>
+              <a:rPr b="0" lang="ru-RU" sz="4400" spc="-1" strike="noStrike">
+                <a:solidFill>
+                  <a:srgbClr val="000000"/>
+                </a:solidFill>
+                <a:latin typeface="Impact"/>
+              </a:rPr>
+              <a:t>Цель</a:t>
+            </a:r>
+            <a:endParaRPr b="0" lang="ru-RU" sz="4400" spc="-1" strike="noStrike">
+              <a:solidFill>
+                <a:srgbClr val="000000"/>
+              </a:solidFill>
+              <a:latin typeface="Impact"/>
+            </a:endParaRPr>
+          </a:p>
+        </p:txBody>
+      </p:sp>
+      <p:sp>
+        <p:nvSpPr>
+          <p:cNvPr id="47" name="PlaceHolder 2"/>
+          <p:cNvSpPr>
+            <a:spLocks noGrp="1"/>
+          </p:cNvSpPr>
+          <p:nvPr>
+            <p:ph/>
+          </p:nvPr>
+        </p:nvSpPr>
+        <p:spPr>
+          <a:xfrm>
+            <a:off x="503280" y="1324080"/>
+            <a:ext cx="9072000" cy="3288600"/>
+          </a:xfrm>
+          <a:prstGeom prst="rect">
+            <a:avLst/>
+          </a:prstGeom>
+          <a:noFill/>
+          <a:ln w="0">
+            <a:noFill/>
+          </a:ln>
+        </p:spPr>
+        <p:txBody>
+          <a:bodyPr lIns="0" rIns="0" tIns="0" bIns="0" anchor="t">
+            <a:normAutofit/>
+          </a:bodyPr>
+          <a:p>
+            <a:pPr marL="432000" indent="-324000">
+              <a:spcBef>
+                <a:spcPts val="1417"/>
+              </a:spcBef>
+              <a:buClr>
+                <a:srgbClr val="000000"/>
+              </a:buClr>
+              <a:buSzPct val="45000"/>
+              <a:buFont typeface="Wingdings" charset="2"/>
+              <a:buChar char=""/>
+            </a:pPr>
+            <a:r>
+              <a:rPr b="0" lang="ru-RU" sz="3200" spc="-1" strike="noStrike">
+                <a:solidFill>
+                  <a:srgbClr val="000000"/>
+                </a:solidFill>
+                <a:latin typeface="Impact"/>
+              </a:rPr>
+              <a:t>Сделать десктопное приложение, в котором можно будет создавать и проходить викторины и опросы любого размера с любыми ответами.</a:t>
+            </a:r>
+            <a:endParaRPr b="0" lang="ru-RU" sz="3200" spc="-1" strike="noStrike">
+              <a:solidFill>
+                <a:srgbClr val="000000"/>
+              </a:solidFill>
+              <a:latin typeface="Impact"/>
+            </a:endParaRPr>
+          </a:p>
+        </p:txBody>
+      </p:sp>
+      <p:pic>
+        <p:nvPicPr>
+          <p:cNvPr id="48" name="" descr=""/>
+          <p:cNvPicPr/>
+          <p:nvPr/>
+        </p:nvPicPr>
+        <p:blipFill>
+          <a:blip r:embed="rId2"/>
+          <a:stretch/>
+        </p:blipFill>
+        <p:spPr>
+          <a:xfrm>
+            <a:off x="1103400" y="3134160"/>
+            <a:ext cx="2206440" cy="2421720"/>
+          </a:xfrm>
+          <a:prstGeom prst="rect">
+            <a:avLst/>
+          </a:prstGeom>
+          <a:ln w="0">
+            <a:noFill/>
+          </a:ln>
+        </p:spPr>
+      </p:pic>
+      <p:pic>
+        <p:nvPicPr>
+          <p:cNvPr id="49" name="" descr=""/>
+          <p:cNvPicPr/>
+          <p:nvPr/>
+        </p:nvPicPr>
+        <p:blipFill>
+          <a:blip r:embed="rId3"/>
+          <a:stretch/>
+        </p:blipFill>
+        <p:spPr>
+          <a:xfrm>
+            <a:off x="7042320" y="2974320"/>
+            <a:ext cx="2163600" cy="2163600"/>
+          </a:xfrm>
+          <a:prstGeom prst="rect">
+            <a:avLst/>
+          </a:prstGeom>
+          <a:ln w="0">
+            <a:noFill/>
+          </a:ln>
+        </p:spPr>
+      </p:pic>
+    </p:spTree>
+  </p:cSld>
+  <mc:AlternateContent>
+    <mc:Choice Requires="p14">
+      <p:transition spd="slow" p14:dur="2000"/>
+    </mc:Choice>
+    <mc:Fallback>
+      <p:transition spd="slow"/>
+    </mc:Fallback>
+  </mc:AlternateContent>
+</p:sld>
+</file>
+
+<file path=ppt/slides/slide3.xml><?xml version="1.0" encoding="utf-8"?>
+<p:sld xmlns:a="http://schemas.openxmlformats.org/drawingml/2006/main" xmlns:p="http://schemas.openxmlformats.org/presentationml/2006/main" xmlns:r="http://schemas.openxmlformats.org/officeDocument/2006/relationships" xmlns:p14="http://schemas.microsoft.com/office/powerpoint/2010/main" xmlns:p15="http://schemas.microsoft.com/office/powerpoint/2012/main" xmlns:mc="http://schemas.openxmlformats.org/markup-compatibility/2006">
+  <p:cSld>
+    <p:spTree>
+      <p:nvGrpSpPr>
+        <p:cNvPr id="1" name=""/>
+        <p:cNvGrpSpPr/>
+        <p:nvPr/>
+      </p:nvGrpSpPr>
+      <p:grpSpPr>
+        <a:xfrm>
+          <a:off x="0" y="0"/>
+          <a:ext cx="0" cy="0"/>
+          <a:chOff x="0" y="0"/>
+          <a:chExt cx="0" cy="0"/>
+        </a:xfrm>
+      </p:grpSpPr>
+      <p:sp>
+        <p:nvSpPr>
+          <p:cNvPr id="50" name="PlaceHolder 1"/>
+          <p:cNvSpPr>
+            <a:spLocks noGrp="1"/>
+          </p:cNvSpPr>
+          <p:nvPr>
+            <p:ph type="title"/>
+          </p:nvPr>
+        </p:nvSpPr>
+        <p:spPr>
+          <a:xfrm>
+            <a:off x="504000" y="74160"/>
+            <a:ext cx="9071280" cy="1249920"/>
+          </a:xfrm>
+          <a:prstGeom prst="rect">
+            <a:avLst/>
+          </a:prstGeom>
+          <a:noFill/>
+          <a:ln w="0">
+            <a:noFill/>
+          </a:ln>
+        </p:spPr>
+        <p:txBody>
+          <a:bodyPr lIns="0" rIns="0" tIns="0" bIns="0" anchor="ctr">
+            <a:noAutofit/>
+          </a:bodyPr>
+          <a:p>
+            <a:pPr indent="0" algn="ctr">
+              <a:buNone/>
+            </a:pPr>
+            <a:r>
+              <a:rPr b="0" lang="ru-RU" sz="4400" spc="-1" strike="noStrike">
+                <a:solidFill>
+                  <a:srgbClr val="000000"/>
+                </a:solidFill>
+                <a:latin typeface="Impact"/>
+              </a:rPr>
+              <a:t>Функционал</a:t>
+            </a:r>
+            <a:endParaRPr b="0" lang="ru-RU" sz="4400" spc="-1" strike="noStrike">
+              <a:solidFill>
+                <a:srgbClr val="000000"/>
+              </a:solidFill>
+              <a:latin typeface="Impact"/>
+            </a:endParaRPr>
+          </a:p>
+        </p:txBody>
+      </p:sp>
+      <p:pic>
+        <p:nvPicPr>
+          <p:cNvPr id="51" name="" descr=""/>
+          <p:cNvPicPr/>
+          <p:nvPr/>
+        </p:nvPicPr>
+        <p:blipFill>
+          <a:blip r:embed="rId1"/>
+          <a:stretch/>
+        </p:blipFill>
+        <p:spPr>
+          <a:xfrm>
+            <a:off x="355680" y="1507680"/>
+            <a:ext cx="4615920" cy="3269160"/>
+          </a:xfrm>
+          <a:prstGeom prst="rect">
+            <a:avLst/>
+          </a:prstGeom>
+          <a:ln w="0">
+            <a:noFill/>
+          </a:ln>
+        </p:spPr>
+      </p:pic>
+      <p:pic>
+        <p:nvPicPr>
+          <p:cNvPr id="52" name="" descr=""/>
+          <p:cNvPicPr/>
+          <p:nvPr/>
+        </p:nvPicPr>
+        <p:blipFill>
+          <a:blip r:embed="rId2"/>
+          <a:stretch/>
+        </p:blipFill>
+        <p:spPr>
+          <a:xfrm>
+            <a:off x="5225760" y="1503000"/>
+            <a:ext cx="4581720" cy="3175920"/>
+          </a:xfrm>
+          <a:prstGeom prst="rect">
+            <a:avLst/>
+          </a:prstGeom>
+          <a:ln w="0">
+            <a:noFill/>
+          </a:ln>
+        </p:spPr>
+      </p:pic>
+    </p:spTree>
+  </p:cSld>
+  <mc:AlternateContent>
+    <mc:Choice Requires="p14">
+      <p:transition spd="slow" p14:dur="2000"/>
+    </mc:Choice>
+    <mc:Fallback>
+      <p:transition spd="slow"/>
+    </mc:Fallback>
+  </mc:AlternateContent>
+</p:sld>
+</file>
+
+<file path=ppt/slides/slide4.xml><?xml version="1.0" encoding="utf-8"?>
+<p:sld xmlns:a="http://schemas.openxmlformats.org/drawingml/2006/main" xmlns:p="http://schemas.openxmlformats.org/presentationml/2006/main" xmlns:r="http://schemas.openxmlformats.org/officeDocument/2006/relationships" xmlns:p14="http://schemas.microsoft.com/office/powerpoint/2010/main" xmlns:p15="http://schemas.microsoft.com/office/powerpoint/2012/main" xmlns:mc="http://schemas.openxmlformats.org/markup-compatibility/2006">
+  <p:cSld>
+    <p:spTree>
+      <p:nvGrpSpPr>
+        <p:cNvPr id="1" name=""/>
+        <p:cNvGrpSpPr/>
+        <p:nvPr/>
+      </p:nvGrpSpPr>
+      <p:grpSpPr>
+        <a:xfrm>
+          <a:off x="0" y="0"/>
+          <a:ext cx="0" cy="0"/>
+          <a:chOff x="0" y="0"/>
+          <a:chExt cx="0" cy="0"/>
+        </a:xfrm>
+      </p:grpSpPr>
+      <p:sp>
+        <p:nvSpPr>
+          <p:cNvPr id="53" name="PlaceHolder 1"/>
+          <p:cNvSpPr>
+            <a:spLocks noGrp="1"/>
+          </p:cNvSpPr>
+          <p:nvPr>
+            <p:ph type="title"/>
+          </p:nvPr>
+        </p:nvSpPr>
+        <p:spPr>
+          <a:xfrm>
+            <a:off x="504000" y="74160"/>
+            <a:ext cx="9071280" cy="1249920"/>
+          </a:xfrm>
+          <a:prstGeom prst="rect">
+            <a:avLst/>
+          </a:prstGeom>
+          <a:noFill/>
+          <a:ln w="0">
+            <a:noFill/>
+          </a:ln>
+        </p:spPr>
+        <p:txBody>
+          <a:bodyPr lIns="0" rIns="0" tIns="0" bIns="0" anchor="ctr">
+            <a:noAutofit/>
+          </a:bodyPr>
+          <a:p>
+            <a:pPr indent="0" algn="ctr">
+              <a:buNone/>
+            </a:pPr>
+            <a:r>
+              <a:rPr b="0" lang="ru-RU" sz="4400" spc="-1" strike="noStrike">
+                <a:solidFill>
+                  <a:srgbClr val="000000"/>
+                </a:solidFill>
+                <a:latin typeface="Impact"/>
+              </a:rPr>
+              <a:t>Функционал</a:t>
+            </a:r>
+            <a:endParaRPr b="0" lang="ru-RU" sz="4400" spc="-1" strike="noStrike">
+              <a:solidFill>
+                <a:srgbClr val="000000"/>
+              </a:solidFill>
+              <a:latin typeface="Impact"/>
+            </a:endParaRPr>
+          </a:p>
+        </p:txBody>
+      </p:sp>
+      <p:pic>
+        <p:nvPicPr>
+          <p:cNvPr id="54" name="" descr=""/>
+          <p:cNvPicPr/>
+          <p:nvPr/>
+        </p:nvPicPr>
+        <p:blipFill>
+          <a:blip r:embed="rId1"/>
+          <a:stretch/>
+        </p:blipFill>
+        <p:spPr>
+          <a:xfrm>
+            <a:off x="226800" y="1557000"/>
+            <a:ext cx="4632120" cy="3203640"/>
+          </a:xfrm>
+          <a:prstGeom prst="rect">
+            <a:avLst/>
+          </a:prstGeom>
+          <a:ln w="0">
+            <a:noFill/>
+          </a:ln>
+        </p:spPr>
+      </p:pic>
+      <p:pic>
+        <p:nvPicPr>
+          <p:cNvPr id="55" name="" descr=""/>
+          <p:cNvPicPr/>
+          <p:nvPr/>
+        </p:nvPicPr>
+        <p:blipFill>
+          <a:blip r:embed="rId2"/>
+          <a:stretch/>
+        </p:blipFill>
+        <p:spPr>
+          <a:xfrm>
+            <a:off x="5025600" y="1557000"/>
+            <a:ext cx="4880520" cy="3072600"/>
+          </a:xfrm>
+          <a:prstGeom prst="rect">
+            <a:avLst/>
+          </a:prstGeom>
+          <a:ln w="0">
+            <a:noFill/>
+          </a:ln>
+        </p:spPr>
+      </p:pic>
+    </p:spTree>
+  </p:cSld>
+  <mc:AlternateContent>
+    <mc:Choice Requires="p14">
+      <p:transition spd="slow" p14:dur="2000"/>
+    </mc:Choice>
+    <mc:Fallback>
+      <p:transition spd="slow"/>
+    </mc:Fallback>
+  </mc:AlternateContent>
+</p:sld>
+</file>
+
+<file path=ppt/slides/slide5.xml><?xml version="1.0" encoding="utf-8"?>
+<p:sld xmlns:a="http://schemas.openxmlformats.org/drawingml/2006/main" xmlns:p="http://schemas.openxmlformats.org/presentationml/2006/main" xmlns:r="http://schemas.openxmlformats.org/officeDocument/2006/relationships" xmlns:p14="http://schemas.microsoft.com/office/powerpoint/2010/main" xmlns:p15="http://schemas.microsoft.com/office/powerpoint/2012/main" xmlns:mc="http://schemas.openxmlformats.org/markup-compatibility/2006">
+  <p:cSld>
+    <p:spTree>
+      <p:nvGrpSpPr>
+        <p:cNvPr id="1" name=""/>
+        <p:cNvGrpSpPr/>
+        <p:nvPr/>
+      </p:nvGrpSpPr>
+      <p:grpSpPr>
+        <a:xfrm>
+          <a:off x="0" y="0"/>
+          <a:ext cx="0" cy="0"/>
+          <a:chOff x="0" y="0"/>
+          <a:chExt cx="0" cy="0"/>
+        </a:xfrm>
+      </p:grpSpPr>
+      <p:sp>
+        <p:nvSpPr>
+          <p:cNvPr id="56" name="PlaceHolder 1"/>
+          <p:cNvSpPr>
+            <a:spLocks noGrp="1"/>
+          </p:cNvSpPr>
+          <p:nvPr>
+            <p:ph type="title"/>
+          </p:nvPr>
+        </p:nvSpPr>
+        <p:spPr>
+          <a:xfrm>
+            <a:off x="504000" y="74160"/>
+            <a:ext cx="9071280" cy="1249920"/>
+          </a:xfrm>
+          <a:prstGeom prst="rect">
+            <a:avLst/>
+          </a:prstGeom>
+          <a:noFill/>
+          <a:ln w="0">
+            <a:noFill/>
+          </a:ln>
+        </p:spPr>
+        <p:txBody>
+          <a:bodyPr lIns="0" rIns="0" tIns="0" bIns="0" anchor="ctr">
+            <a:noAutofit/>
+          </a:bodyPr>
+          <a:p>
+            <a:pPr indent="0" algn="ctr">
+              <a:buNone/>
+            </a:pPr>
+            <a:r>
+              <a:rPr b="0" lang="ru-RU" sz="4400" spc="-1" strike="noStrike">
+                <a:solidFill>
+                  <a:srgbClr val="000000"/>
+                </a:solidFill>
+                <a:latin typeface="Impact"/>
+              </a:rPr>
+              <a:t>Функционал</a:t>
+            </a:r>
+            <a:endParaRPr b="0" lang="ru-RU" sz="4400" spc="-1" strike="noStrike">
+              <a:solidFill>
+                <a:srgbClr val="000000"/>
+              </a:solidFill>
+              <a:latin typeface="Impact"/>
+            </a:endParaRPr>
+          </a:p>
+        </p:txBody>
+      </p:sp>
+      <p:pic>
+        <p:nvPicPr>
+          <p:cNvPr id="57" name="" descr=""/>
+          <p:cNvPicPr/>
+          <p:nvPr/>
+        </p:nvPicPr>
+        <p:blipFill>
+          <a:blip r:embed="rId1"/>
+          <a:stretch/>
+        </p:blipFill>
+        <p:spPr>
+          <a:xfrm>
+            <a:off x="5879520" y="2245320"/>
+            <a:ext cx="3776760" cy="1678320"/>
+          </a:xfrm>
+          <a:prstGeom prst="rect">
+            <a:avLst/>
+          </a:prstGeom>
+          <a:ln w="0">
+            <a:noFill/>
+          </a:ln>
+        </p:spPr>
+      </p:pic>
+      <p:pic>
+        <p:nvPicPr>
+          <p:cNvPr id="58" name="" descr=""/>
+          <p:cNvPicPr/>
+          <p:nvPr/>
+        </p:nvPicPr>
+        <p:blipFill>
+          <a:blip r:embed="rId2"/>
+          <a:stretch/>
+        </p:blipFill>
+        <p:spPr>
+          <a:xfrm>
+            <a:off x="443160" y="1385280"/>
+            <a:ext cx="5087520" cy="3586320"/>
+          </a:xfrm>
+          <a:prstGeom prst="rect">
+            <a:avLst/>
+          </a:prstGeom>
+          <a:ln w="0">
+            <a:noFill/>
+          </a:ln>
+        </p:spPr>
+      </p:pic>
+    </p:spTree>
+  </p:cSld>
+  <mc:AlternateContent>
+    <mc:Choice Requires="p14">
+      <p:transition spd="slow" p14:dur="2000"/>
+    </mc:Choice>
+    <mc:Fallback>
+      <p:transition spd="slow"/>
+    </mc:Fallback>
+  </mc:AlternateContent>
+</p:sld>
+</file>
+
+<file path=ppt/slides/slide6.xml><?xml version="1.0" encoding="utf-8"?>
+<p:sld xmlns:a="http://schemas.openxmlformats.org/drawingml/2006/main" xmlns:p="http://schemas.openxmlformats.org/presentationml/2006/main" xmlns:r="http://schemas.openxmlformats.org/officeDocument/2006/relationships" xmlns:p14="http://schemas.microsoft.com/office/powerpoint/2010/main" xmlns:p15="http://schemas.microsoft.com/office/powerpoint/2012/main" xmlns:mc="http://schemas.openxmlformats.org/markup-compatibility/2006">
+  <p:cSld>
+    <p:spTree>
+      <p:nvGrpSpPr>
+        <p:cNvPr id="1" name=""/>
+        <p:cNvGrpSpPr/>
+        <p:nvPr/>
+      </p:nvGrpSpPr>
+      <p:grpSpPr>
+        <a:xfrm>
+          <a:off x="0" y="0"/>
+          <a:ext cx="0" cy="0"/>
+          <a:chOff x="0" y="0"/>
+          <a:chExt cx="0" cy="0"/>
+        </a:xfrm>
+      </p:grpSpPr>
+      <p:pic>
+        <p:nvPicPr>
+          <p:cNvPr id="59" name="" descr=""/>
+          <p:cNvPicPr/>
+          <p:nvPr/>
+        </p:nvPicPr>
+        <p:blipFill>
+          <a:blip r:embed="rId1"/>
+          <a:stretch/>
+        </p:blipFill>
+        <p:spPr>
+          <a:xfrm>
+            <a:off x="886320" y="622800"/>
+            <a:ext cx="8611560" cy="4561200"/>
+          </a:xfrm>
+          <a:prstGeom prst="rect">
+            <a:avLst/>
+          </a:prstGeom>
+          <a:ln w="0">
+            <a:noFill/>
+          </a:ln>
+        </p:spPr>
+      </p:pic>
+      <p:sp>
+        <p:nvSpPr>
+          <p:cNvPr id="60" name="PlaceHolder 1"/>
+          <p:cNvSpPr>
+            <a:spLocks noGrp="1"/>
+          </p:cNvSpPr>
+          <p:nvPr>
+            <p:ph type="title"/>
+          </p:nvPr>
+        </p:nvSpPr>
+        <p:spPr>
+          <a:xfrm>
+            <a:off x="504000" y="74160"/>
+            <a:ext cx="9071280" cy="1249920"/>
+          </a:xfrm>
+          <a:prstGeom prst="rect">
+            <a:avLst/>
+          </a:prstGeom>
+          <a:noFill/>
+          <a:ln w="0">
+            <a:noFill/>
+          </a:ln>
+        </p:spPr>
+        <p:txBody>
+          <a:bodyPr lIns="0" rIns="0" tIns="0" bIns="0" anchor="ctr">
+            <a:noAutofit/>
+          </a:bodyPr>
+          <a:p>
+            <a:pPr indent="0" algn="ctr">
+              <a:buNone/>
+            </a:pPr>
+            <a:r>
+              <a:rPr b="0" lang="ru-RU" sz="4400" spc="-1" strike="noStrike">
+                <a:solidFill>
+                  <a:srgbClr val="000000"/>
+                </a:solidFill>
+                <a:latin typeface="Impact"/>
+              </a:rPr>
+              <a:t>Архитектура Классов</a:t>
+            </a:r>
+            <a:endParaRPr b="0" lang="ru-RU" sz="4400" spc="-1" strike="noStrike">
+              <a:solidFill>
+                <a:srgbClr val="000000"/>
+              </a:solidFill>
+              <a:latin typeface="Impact"/>
+            </a:endParaRPr>
+          </a:p>
+        </p:txBody>
+      </p:sp>
+    </p:spTree>
+  </p:cSld>
+  <mc:AlternateContent>
+    <mc:Choice Requires="p14">
+      <p:transition spd="slow" p14:dur="2000"/>
+    </mc:Choice>
+    <mc:Fallback>
+      <p:transition spd="slow"/>
+    </mc:Fallback>
+  </mc:AlternateContent>
+</p:sld>
+</file>
+
+<file path=ppt/slides/slide7.xml><?xml version="1.0" encoding="utf-8"?>
+<p:sld xmlns:a="http://schemas.openxmlformats.org/drawingml/2006/main" xmlns:p="http://schemas.openxmlformats.org/presentationml/2006/main" xmlns:r="http://schemas.openxmlformats.org/officeDocument/2006/relationships" xmlns:p14="http://schemas.microsoft.com/office/powerpoint/2010/main" xmlns:p15="http://schemas.microsoft.com/office/powerpoint/2012/main" xmlns:mc="http://schemas.openxmlformats.org/markup-compatibility/2006">
+  <p:cSld>
+    <p:spTree>
+      <p:nvGrpSpPr>
+        <p:cNvPr id="1" name=""/>
+        <p:cNvGrpSpPr/>
+        <p:nvPr/>
+      </p:nvGrpSpPr>
+      <p:grpSpPr>
+        <a:xfrm>
+          <a:off x="0" y="0"/>
+          <a:ext cx="0" cy="0"/>
+          <a:chOff x="0" y="0"/>
+          <a:chExt cx="0" cy="0"/>
+        </a:xfrm>
+      </p:grpSpPr>
+      <p:sp>
+        <p:nvSpPr>
+          <p:cNvPr id="61" name="PlaceHolder 1"/>
+          <p:cNvSpPr>
+            <a:spLocks noGrp="1"/>
+          </p:cNvSpPr>
+          <p:nvPr>
+            <p:ph type="title"/>
+          </p:nvPr>
+        </p:nvSpPr>
+        <p:spPr>
+          <a:xfrm>
+            <a:off x="504000" y="74160"/>
+            <a:ext cx="9071280" cy="1249920"/>
+          </a:xfrm>
+          <a:prstGeom prst="rect">
+            <a:avLst/>
+          </a:prstGeom>
+          <a:noFill/>
+          <a:ln w="0">
+            <a:noFill/>
+          </a:ln>
+        </p:spPr>
+        <p:txBody>
+          <a:bodyPr lIns="0" rIns="0" tIns="0" bIns="0" anchor="ctr">
+            <a:noAutofit/>
+          </a:bodyPr>
+          <a:p>
+            <a:pPr indent="0" algn="ctr">
+              <a:buNone/>
+            </a:pPr>
+            <a:r>
+              <a:rPr b="0" lang="ru-RU" sz="4400" spc="-1" strike="noStrike">
+                <a:solidFill>
+                  <a:srgbClr val="000000"/>
+                </a:solidFill>
+                <a:latin typeface="Impact"/>
+              </a:rPr>
+              <a:t>Демонстрация</a:t>
+            </a:r>
+            <a:endParaRPr b="0" lang="ru-RU" sz="4400" spc="-1" strike="noStrike">
+              <a:solidFill>
+                <a:srgbClr val="000000"/>
+              </a:solidFill>
+              <a:latin typeface="Impact"/>
+            </a:endParaRPr>
+          </a:p>
+        </p:txBody>
+      </p:sp>
+      <p:pic>
+        <p:nvPicPr>
+          <p:cNvPr id="62" name="" descr=""/>
+          <p:cNvPicPr/>
+          <p:nvPr/>
+        </p:nvPicPr>
+        <p:blipFill>
+          <a:blip r:embed="rId1"/>
+          <a:stretch/>
+        </p:blipFill>
+        <p:spPr>
+          <a:xfrm>
+            <a:off x="2136960" y="1324080"/>
+            <a:ext cx="5860080" cy="4061880"/>
+          </a:xfrm>
+          <a:prstGeom prst="rect">
+            <a:avLst/>
+          </a:prstGeom>
+          <a:ln w="0">
+            <a:noFill/>
+          </a:ln>
+        </p:spPr>
+      </p:pic>
+    </p:spTree>
+  </p:cSld>
+  <mc:AlternateContent>
+    <mc:Choice Requires="p14">
+      <p:transition spd="slow" p14:dur="2000"/>
+    </mc:Choice>
+    <mc:Fallback>
+      <p:transition spd="slow"/>
+    </mc:Fallback>
+  </mc:AlternateContent>
+</p:sld>
+</file>
+
+<file path=ppt/slides/slide8.xml><?xml version="1.0" encoding="utf-8"?>
+<p:sld xmlns:a="http://schemas.openxmlformats.org/drawingml/2006/main" xmlns:p="http://schemas.openxmlformats.org/presentationml/2006/main" xmlns:r="http://schemas.openxmlformats.org/officeDocument/2006/relationships" xmlns:p14="http://schemas.microsoft.com/office/powerpoint/2010/main" xmlns:p15="http://schemas.microsoft.com/office/powerpoint/2012/main" xmlns:mc="http://schemas.openxmlformats.org/markup-compatibility/2006">
+  <p:cSld>
+    <p:spTree>
+      <p:nvGrpSpPr>
+        <p:cNvPr id="1" name=""/>
+        <p:cNvGrpSpPr/>
+        <p:nvPr/>
+      </p:nvGrpSpPr>
+      <p:grpSpPr>
+        <a:xfrm>
+          <a:off x="0" y="0"/>
+          <a:ext cx="0" cy="0"/>
+          <a:chOff x="0" y="0"/>
+          <a:chExt cx="0" cy="0"/>
+        </a:xfrm>
+      </p:grpSpPr>
+      <p:sp>
+        <p:nvSpPr>
+          <p:cNvPr id="63" name="PlaceHolder 1"/>
+          <p:cNvSpPr>
+            <a:spLocks noGrp="1"/>
+          </p:cNvSpPr>
+          <p:nvPr>
+            <p:ph type="title"/>
+          </p:nvPr>
+        </p:nvSpPr>
+        <p:spPr>
+          <a:xfrm>
+            <a:off x="504000" y="74160"/>
+            <a:ext cx="9071280" cy="1249920"/>
+          </a:xfrm>
+          <a:prstGeom prst="rect">
+            <a:avLst/>
+          </a:prstGeom>
+          <a:noFill/>
+          <a:ln w="0">
+            <a:noFill/>
+          </a:ln>
+        </p:spPr>
+        <p:txBody>
+          <a:bodyPr lIns="0" rIns="0" tIns="0" bIns="0" anchor="ctr">
+            <a:noAutofit/>
+          </a:bodyPr>
+          <a:p>
+            <a:pPr indent="0" algn="ctr">
+              <a:buNone/>
+            </a:pPr>
+            <a:r>
+              <a:rPr b="0" lang="ru-RU" sz="3600" spc="-1" strike="noStrike">
+                <a:solidFill>
+                  <a:srgbClr val="000000"/>
+                </a:solidFill>
+                <a:latin typeface="Impact"/>
+              </a:rPr>
+              <a:t>Что хотелось бы добавить в приложение</a:t>
+            </a:r>
+            <a:endParaRPr b="0" lang="ru-RU" sz="3600" spc="-1" strike="noStrike">
+              <a:solidFill>
+                <a:srgbClr val="000000"/>
+              </a:solidFill>
+              <a:latin typeface="Impact"/>
+            </a:endParaRPr>
+          </a:p>
+        </p:txBody>
+      </p:sp>
+      <p:sp>
+        <p:nvSpPr>
+          <p:cNvPr id="64" name="PlaceHolder 2"/>
+          <p:cNvSpPr>
+            <a:spLocks noGrp="1"/>
+          </p:cNvSpPr>
+          <p:nvPr>
+            <p:ph/>
+          </p:nvPr>
+        </p:nvSpPr>
+        <p:spPr>
+          <a:xfrm>
+            <a:off x="504000" y="1424880"/>
+            <a:ext cx="9072000" cy="3288600"/>
+          </a:xfrm>
+          <a:prstGeom prst="rect">
+            <a:avLst/>
+          </a:prstGeom>
+          <a:noFill/>
+          <a:ln w="0">
+            <a:noFill/>
+          </a:ln>
+        </p:spPr>
+        <p:txBody>
+          <a:bodyPr lIns="0" rIns="0" tIns="0" bIns="0" anchor="t">
+            <a:normAutofit fontScale="90012"/>
+          </a:bodyPr>
+          <a:p>
+            <a:pPr marL="432000" indent="-324000">
+              <a:spcBef>
+                <a:spcPts val="1417"/>
+              </a:spcBef>
+              <a:buClr>
+                <a:srgbClr val="000000"/>
+              </a:buClr>
+              <a:buSzPct val="45000"/>
+              <a:buFont typeface="Wingdings" charset="2"/>
+              <a:buChar char=""/>
+            </a:pPr>
+            <a:r>
+              <a:rPr b="0" lang="ru-RU" sz="2200" spc="-1" strike="noStrike">
+                <a:solidFill>
+                  <a:srgbClr val="000000"/>
+                </a:solidFill>
+                <a:latin typeface="Impact"/>
+              </a:rPr>
+              <a:t>Изменение вознаграждения за ответ в баллах</a:t>
+            </a:r>
+            <a:endParaRPr b="0" lang="ru-RU" sz="2200" spc="-1" strike="noStrike">
+              <a:solidFill>
+                <a:srgbClr val="000000"/>
+              </a:solidFill>
+              <a:latin typeface="Impact"/>
+            </a:endParaRPr>
+          </a:p>
+          <a:p>
+            <a:pPr marL="432000" indent="-324000">
+              <a:spcBef>
+                <a:spcPts val="1417"/>
+              </a:spcBef>
+              <a:buClr>
+                <a:srgbClr val="000000"/>
+              </a:buClr>
+              <a:buSzPct val="45000"/>
+              <a:buFont typeface="Wingdings" charset="2"/>
+              <a:buChar char=""/>
+            </a:pPr>
+            <a:r>
+              <a:rPr b="0" lang="ru-RU" sz="2200" spc="-1" strike="noStrike">
+                <a:solidFill>
+                  <a:srgbClr val="000000"/>
+                </a:solidFill>
+                <a:latin typeface="Impact"/>
+              </a:rPr>
+              <a:t>Загрузка картинок в ответы и вопросы</a:t>
+            </a:r>
+            <a:endParaRPr b="0" lang="ru-RU" sz="2200" spc="-1" strike="noStrike">
+              <a:solidFill>
+                <a:srgbClr val="000000"/>
+              </a:solidFill>
+              <a:latin typeface="Impact"/>
+            </a:endParaRPr>
+          </a:p>
+          <a:p>
+            <a:pPr marL="432000" indent="-324000">
+              <a:spcBef>
+                <a:spcPts val="1417"/>
+              </a:spcBef>
+              <a:buClr>
+                <a:srgbClr val="000000"/>
+              </a:buClr>
+              <a:buSzPct val="45000"/>
+              <a:buFont typeface="Wingdings" charset="2"/>
+              <a:buChar char=""/>
+            </a:pPr>
+            <a:r>
+              <a:rPr b="0" lang="ru-RU" sz="2200" spc="-1" strike="noStrike">
+                <a:solidFill>
+                  <a:srgbClr val="000000"/>
+                </a:solidFill>
+                <a:latin typeface="Impact"/>
+              </a:rPr>
+              <a:t>Вопросы с последовательными ответами</a:t>
+            </a:r>
+            <a:endParaRPr b="0" lang="ru-RU" sz="2200" spc="-1" strike="noStrike">
+              <a:solidFill>
+                <a:srgbClr val="000000"/>
+              </a:solidFill>
+              <a:latin typeface="Impact"/>
+            </a:endParaRPr>
+          </a:p>
+          <a:p>
+            <a:pPr marL="432000" indent="-324000">
+              <a:spcBef>
+                <a:spcPts val="1417"/>
+              </a:spcBef>
+              <a:buClr>
+                <a:srgbClr val="000000"/>
+              </a:buClr>
+              <a:buSzPct val="45000"/>
+              <a:buFont typeface="Wingdings" charset="2"/>
+              <a:buChar char=""/>
+            </a:pPr>
+            <a:r>
+              <a:rPr b="0" lang="ru-RU" sz="2200" spc="-1" strike="noStrike">
+                <a:solidFill>
+                  <a:srgbClr val="000000"/>
+                </a:solidFill>
+                <a:latin typeface="Impact"/>
+              </a:rPr>
+              <a:t>Загрузка звуков к вопросам и ответам</a:t>
+            </a:r>
+            <a:endParaRPr b="0" lang="ru-RU" sz="2200" spc="-1" strike="noStrike">
+              <a:solidFill>
+                <a:srgbClr val="000000"/>
+              </a:solidFill>
+              <a:latin typeface="Impact"/>
+            </a:endParaRPr>
+          </a:p>
+          <a:p>
+            <a:pPr marL="432000" indent="-324000">
+              <a:spcBef>
+                <a:spcPts val="1417"/>
+              </a:spcBef>
+              <a:buClr>
+                <a:srgbClr val="000000"/>
+              </a:buClr>
+              <a:buSzPct val="45000"/>
+              <a:buFont typeface="Wingdings" charset="2"/>
+              <a:buChar char=""/>
+            </a:pPr>
+            <a:r>
+              <a:rPr b="0" lang="ru-RU" sz="2200" spc="-1" strike="noStrike">
+                <a:solidFill>
+                  <a:srgbClr val="000000"/>
+                </a:solidFill>
+                <a:latin typeface="Impact"/>
+              </a:rPr>
+              <a:t>Система недавних файлов</a:t>
+            </a:r>
+            <a:endParaRPr b="0" lang="ru-RU" sz="2200" spc="-1" strike="noStrike">
+              <a:solidFill>
+                <a:srgbClr val="000000"/>
+              </a:solidFill>
+              <a:latin typeface="Impact"/>
+            </a:endParaRPr>
+          </a:p>
+          <a:p>
+            <a:pPr marL="432000" indent="-324000">
+              <a:spcBef>
+                <a:spcPts val="1417"/>
+              </a:spcBef>
+              <a:buClr>
+                <a:srgbClr val="000000"/>
+              </a:buClr>
+              <a:buSzPct val="45000"/>
+              <a:buFont typeface="Wingdings" charset="2"/>
+              <a:buChar char=""/>
+            </a:pPr>
+            <a:r>
+              <a:rPr b="0" lang="ru-RU" sz="2200" spc="-1" strike="noStrike">
+                <a:solidFill>
+                  <a:srgbClr val="000000"/>
+                </a:solidFill>
+                <a:latin typeface="Impact"/>
+              </a:rPr>
+              <a:t>Форум и библиотека викторин, подключенные в само приложение</a:t>
+            </a:r>
+            <a:endParaRPr b="0" lang="ru-RU" sz="2200" spc="-1" strike="noStrike">
+              <a:solidFill>
+                <a:srgbClr val="000000"/>
+              </a:solidFill>
+              <a:latin typeface="Impact"/>
+            </a:endParaRPr>
+          </a:p>
+          <a:p>
+            <a:pPr marL="432000" indent="-324000">
+              <a:spcBef>
+                <a:spcPts val="1417"/>
+              </a:spcBef>
+              <a:buClr>
+                <a:srgbClr val="000000"/>
+              </a:buClr>
+              <a:buSzPct val="45000"/>
+              <a:buFont typeface="Wingdings" charset="2"/>
+              <a:buChar char=""/>
+            </a:pPr>
+            <a:r>
+              <a:rPr b="0" lang="ru-RU" sz="2200" spc="-1" strike="noStrike">
+                <a:solidFill>
+                  <a:srgbClr val="000000"/>
+                </a:solidFill>
+                <a:latin typeface="Impact"/>
+              </a:rPr>
+              <a:t>Вложенные вопросы (на примере двумерных массивов и т.д.)</a:t>
+            </a:r>
+            <a:endParaRPr b="0" lang="ru-RU" sz="2200" spc="-1" strike="noStrike">
+              <a:solidFill>
+                <a:srgbClr val="000000"/>
+              </a:solidFill>
+              <a:latin typeface="Impact"/>
+            </a:endParaRPr>
+          </a:p>
+        </p:txBody>
+      </p:sp>
     </p:spTree>
   </p:cSld>
   <mc:AlternateContent>
